--- a/Medical Device Report.pptx
+++ b/Medical Device Report.pptx
@@ -117,6 +117,66 @@
     </p:ext>
   </p:extLst>
 </p:presentation>
+</file>
+
+<file path=ppt/revisionInfo.xml><?xml version="1.0" encoding="utf-8"?>
+<p1510:revInfo xmlns:a="http://schemas.openxmlformats.org/drawingml/2006/main" xmlns:r="http://schemas.openxmlformats.org/officeDocument/2006/relationships" xmlns:p1510="http://schemas.microsoft.com/office/powerpoint/2015/10/main">
+  <p1510:revLst>
+    <p1510:client id="{0CB69CD4-6422-4FC8-B50E-625186BF9651}" v="1" dt="2020-10-28T21:40:39.841"/>
+  </p1510:revLst>
+</p1510:revInfo>
+</file>
+
+<file path=ppt/changesInfos/changesInfo1.xml><?xml version="1.0" encoding="utf-8"?>
+<pc:chgInfo xmlns:a="http://schemas.openxmlformats.org/drawingml/2006/main" xmlns:r="http://schemas.openxmlformats.org/officeDocument/2006/relationships" xmlns:ac="http://schemas.microsoft.com/office/drawing/2013/main/command" xmlns:pc="http://schemas.microsoft.com/office/powerpoint/2013/main/command">
+  <pc:docChgLst>
+    <pc:chgData name="Becky Joseph" userId="27a724ee415acd52" providerId="LiveId" clId="{0CB69CD4-6422-4FC8-B50E-625186BF9651}"/>
+    <pc:docChg chg="custSel modSld">
+      <pc:chgData name="Becky Joseph" userId="27a724ee415acd52" providerId="LiveId" clId="{0CB69CD4-6422-4FC8-B50E-625186BF9651}" dt="2020-10-28T21:47:20.987" v="414" actId="20577"/>
+      <pc:docMkLst>
+        <pc:docMk/>
+      </pc:docMkLst>
+      <pc:sldChg chg="modSp mod">
+        <pc:chgData name="Becky Joseph" userId="27a724ee415acd52" providerId="LiveId" clId="{0CB69CD4-6422-4FC8-B50E-625186BF9651}" dt="2020-10-28T21:47:20.987" v="414" actId="20577"/>
+        <pc:sldMkLst>
+          <pc:docMk/>
+          <pc:sldMk cId="3128859390" sldId="269"/>
+        </pc:sldMkLst>
+        <pc:spChg chg="mod">
+          <ac:chgData name="Becky Joseph" userId="27a724ee415acd52" providerId="LiveId" clId="{0CB69CD4-6422-4FC8-B50E-625186BF9651}" dt="2020-10-28T21:47:20.987" v="414" actId="20577"/>
+          <ac:spMkLst>
+            <pc:docMk/>
+            <pc:sldMk cId="3128859390" sldId="269"/>
+            <ac:spMk id="11" creationId="{323032CB-AD7A-40F6-871E-D273E1F5D08B}"/>
+          </ac:spMkLst>
+        </pc:spChg>
+      </pc:sldChg>
+      <pc:sldChg chg="addSp modSp mod">
+        <pc:chgData name="Becky Joseph" userId="27a724ee415acd52" providerId="LiveId" clId="{0CB69CD4-6422-4FC8-B50E-625186BF9651}" dt="2020-10-28T21:46:12.349" v="355" actId="20577"/>
+        <pc:sldMkLst>
+          <pc:docMk/>
+          <pc:sldMk cId="2865526722" sldId="270"/>
+        </pc:sldMkLst>
+        <pc:spChg chg="mod">
+          <ac:chgData name="Becky Joseph" userId="27a724ee415acd52" providerId="LiveId" clId="{0CB69CD4-6422-4FC8-B50E-625186BF9651}" dt="2020-10-28T21:45:12.578" v="250" actId="20577"/>
+          <ac:spMkLst>
+            <pc:docMk/>
+            <pc:sldMk cId="2865526722" sldId="270"/>
+            <ac:spMk id="2" creationId="{7E4BA615-46C6-4203-979A-910A2E9E569B}"/>
+          </ac:spMkLst>
+        </pc:spChg>
+        <pc:spChg chg="add mod">
+          <ac:chgData name="Becky Joseph" userId="27a724ee415acd52" providerId="LiveId" clId="{0CB69CD4-6422-4FC8-B50E-625186BF9651}" dt="2020-10-28T21:46:12.349" v="355" actId="20577"/>
+          <ac:spMkLst>
+            <pc:docMk/>
+            <pc:sldMk cId="2865526722" sldId="270"/>
+            <ac:spMk id="3" creationId="{7F0D3806-C045-400F-BEC3-7A6F32559578}"/>
+          </ac:spMkLst>
+        </pc:spChg>
+      </pc:sldChg>
+    </pc:docChg>
+  </pc:docChgLst>
+</pc:chgInfo>
 </file>
 
 <file path=ppt/slideLayouts/slideLayout1.xml><?xml version="1.0" encoding="utf-8"?>
@@ -4713,15 +4773,6 @@
           <a:solidFill>
             <a:srgbClr val="FFFFFF"/>
           </a:solidFill>
-          <a:extLst>
-            <a:ext uri="{909E8E84-426E-40DD-AFC4-6F175D3DCCD1}">
-              <a14:hiddenFill xmlns:a14="http://schemas.microsoft.com/office/drawing/2010/main">
-                <a:solidFill>
-                  <a:srgbClr val="FFFFFF"/>
-                </a:solidFill>
-              </a14:hiddenFill>
-            </a:ext>
-          </a:extLst>
         </p:spPr>
       </p:pic>
     </p:spTree>
@@ -5109,7 +5160,7 @@
           <a:p>
             <a:r>
               <a:rPr lang="en-US" dirty="0"/>
-              <a:t>Recalls In Radiology</a:t>
+              <a:t>Medical Device Events In Radiology</a:t>
             </a:r>
           </a:p>
         </p:txBody>
@@ -5172,6 +5223,41 @@
           </a:xfrm>
         </p:spPr>
       </p:pic>
+      <p:sp>
+        <p:nvSpPr>
+          <p:cNvPr id="3" name="TextBox 2">
+            <a:extLst>
+              <a:ext uri="{FF2B5EF4-FFF2-40B4-BE49-F238E27FC236}">
+                <a16:creationId xmlns:a16="http://schemas.microsoft.com/office/drawing/2014/main" id="{7F0D3806-C045-400F-BEC3-7A6F32559578}"/>
+              </a:ext>
+            </a:extLst>
+          </p:cNvPr>
+          <p:cNvSpPr txBox="1"/>
+          <p:nvPr/>
+        </p:nvSpPr>
+        <p:spPr>
+          <a:xfrm>
+            <a:off x="6333688" y="3984771"/>
+            <a:ext cx="5100506" cy="1200329"/>
+          </a:xfrm>
+          <a:prstGeom prst="rect">
+            <a:avLst/>
+          </a:prstGeom>
+          <a:noFill/>
+        </p:spPr>
+        <p:txBody>
+          <a:bodyPr wrap="square" rtlCol="0">
+            <a:spAutoFit/>
+          </a:bodyPr>
+          <a:lstStyle/>
+          <a:p>
+            <a:r>
+              <a:rPr lang="en-US" dirty="0"/>
+              <a:t>Radiology had the highest amount of open recalls.  Narrowing in on which manufacturers and types of equipment had the most issues. </a:t>
+            </a:r>
+          </a:p>
+        </p:txBody>
+      </p:sp>
     </p:spTree>
     <p:extLst>
       <p:ext uri="{BB962C8B-B14F-4D97-AF65-F5344CB8AC3E}">
@@ -5228,6 +5314,14 @@
           <a:bodyPr/>
           <a:lstStyle/>
           <a:p>
+            <a:r>
+              <a:rPr lang="en-US" dirty="0"/>
+              <a:t>Top manufacturers of devices across </a:t>
+            </a:r>
+            <a:r>
+              <a:rPr lang="en-US"/>
+              <a:t>the world</a:t>
+            </a:r>
             <a:endParaRPr lang="en-US" dirty="0"/>
           </a:p>
         </p:txBody>
@@ -5551,6 +5645,24 @@
 </file>
 
 <file path=customXml/item1.xml><?xml version="1.0" encoding="utf-8"?>
+<p:properties xmlns:p="http://schemas.microsoft.com/office/2006/metadata/properties" xmlns:xsi="http://www.w3.org/2001/XMLSchema-instance" xmlns:pc="http://schemas.microsoft.com/office/infopath/2007/PartnerControls">
+  <documentManagement>
+    <Status xmlns="71af3243-3dd4-4a8d-8c0d-dd76da1f02a5">Not started</Status>
+    <MediaServiceKeyPoints xmlns="71af3243-3dd4-4a8d-8c0d-dd76da1f02a5" xsi:nil="true"/>
+  </documentManagement>
+</p:properties>
+</file>
+
+<file path=customXml/item2.xml><?xml version="1.0" encoding="utf-8"?>
+<?mso-contentType ?>
+<FormTemplates xmlns="http://schemas.microsoft.com/sharepoint/v3/contenttype/forms">
+  <Display>DocumentLibraryForm</Display>
+  <Edit>DocumentLibraryForm</Edit>
+  <New>DocumentLibraryForm</New>
+</FormTemplates>
+</file>
+
+<file path=customXml/item3.xml><?xml version="1.0" encoding="utf-8"?>
 <ct:contentTypeSchema xmlns:ct="http://schemas.microsoft.com/office/2006/metadata/contentType" xmlns:ma="http://schemas.microsoft.com/office/2006/metadata/properties/metaAttributes" ct:_="" ma:_="" ma:contentTypeName="Document" ma:contentTypeID="0x01010079F111ED35F8CC479449609E8A0923A6" ma:contentTypeVersion="12" ma:contentTypeDescription="Create a new document." ma:contentTypeScope="" ma:versionID="a410dd7f93c95333ffa1b60ed6adedd1">
   <xsd:schema xmlns:xsd="http://www.w3.org/2001/XMLSchema" xmlns:xs="http://www.w3.org/2001/XMLSchema" xmlns:p="http://schemas.microsoft.com/office/2006/metadata/properties" xmlns:ns2="71af3243-3dd4-4a8d-8c0d-dd76da1f02a5" xmlns:ns3="16c05727-aa75-4e4a-9b5f-8a80a1165891" targetNamespace="http://schemas.microsoft.com/office/2006/metadata/properties" ma:root="true" ma:fieldsID="a936d9baba76aa3866493feff160faab" ns2:_="" ns3:_="">
     <xsd:import namespace="71af3243-3dd4-4a8d-8c0d-dd76da1f02a5"/>
@@ -5771,25 +5883,25 @@
 </ct:contentTypeSchema>
 </file>
 
-<file path=customXml/item2.xml><?xml version="1.0" encoding="utf-8"?>
-<?mso-contentType ?>
-<FormTemplates xmlns="http://schemas.microsoft.com/sharepoint/v3/contenttype/forms">
-  <Display>DocumentLibraryForm</Display>
-  <Edit>DocumentLibraryForm</Edit>
-  <New>DocumentLibraryForm</New>
-</FormTemplates>
+<file path=customXml/itemProps1.xml><?xml version="1.0" encoding="utf-8"?>
+<ds:datastoreItem xmlns:ds="http://schemas.openxmlformats.org/officeDocument/2006/customXml" ds:itemID="{137651BA-F45C-4845-9AB3-E0A65B39F5E1}">
+  <ds:schemaRefs>
+    <ds:schemaRef ds:uri="http://schemas.microsoft.com/office/2006/metadata/properties"/>
+    <ds:schemaRef ds:uri="http://schemas.microsoft.com/office/infopath/2007/PartnerControls"/>
+    <ds:schemaRef ds:uri="71af3243-3dd4-4a8d-8c0d-dd76da1f02a5"/>
+  </ds:schemaRefs>
+</ds:datastoreItem>
 </file>
 
-<file path=customXml/item3.xml><?xml version="1.0" encoding="utf-8"?>
-<p:properties xmlns:p="http://schemas.microsoft.com/office/2006/metadata/properties" xmlns:xsi="http://www.w3.org/2001/XMLSchema-instance" xmlns:pc="http://schemas.microsoft.com/office/infopath/2007/PartnerControls">
-  <documentManagement>
-    <Status xmlns="71af3243-3dd4-4a8d-8c0d-dd76da1f02a5">Not started</Status>
-    <MediaServiceKeyPoints xmlns="71af3243-3dd4-4a8d-8c0d-dd76da1f02a5" xsi:nil="true"/>
-  </documentManagement>
-</p:properties>
+<file path=customXml/itemProps2.xml><?xml version="1.0" encoding="utf-8"?>
+<ds:datastoreItem xmlns:ds="http://schemas.openxmlformats.org/officeDocument/2006/customXml" ds:itemID="{CDB58277-F8DF-46FF-84EC-EF41B835E69F}">
+  <ds:schemaRefs>
+    <ds:schemaRef ds:uri="http://schemas.microsoft.com/sharepoint/v3/contenttype/forms"/>
+  </ds:schemaRefs>
+</ds:datastoreItem>
 </file>
 
-<file path=customXml/itemProps1.xml><?xml version="1.0" encoding="utf-8"?>
+<file path=customXml/itemProps3.xml><?xml version="1.0" encoding="utf-8"?>
 <ds:datastoreItem xmlns:ds="http://schemas.openxmlformats.org/officeDocument/2006/customXml" ds:itemID="{2D276E62-80A3-44DD-9BCC-97ED2B99B57F}">
   <ds:schemaRefs>
     <ds:schemaRef ds:uri="http://schemas.microsoft.com/office/2006/metadata/contentType"/>
@@ -5806,22 +5918,4 @@
     <ds:schemaRef ds:uri="http://schemas.microsoft.com/internal/obd"/>
   </ds:schemaRefs>
 </ds:datastoreItem>
-</file>
-
-<file path=customXml/itemProps2.xml><?xml version="1.0" encoding="utf-8"?>
-<ds:datastoreItem xmlns:ds="http://schemas.openxmlformats.org/officeDocument/2006/customXml" ds:itemID="{CDB58277-F8DF-46FF-84EC-EF41B835E69F}">
-  <ds:schemaRefs>
-    <ds:schemaRef ds:uri="http://schemas.microsoft.com/sharepoint/v3/contenttype/forms"/>
-  </ds:schemaRefs>
-</ds:datastoreItem>
-</file>
-
-<file path=customXml/itemProps3.xml><?xml version="1.0" encoding="utf-8"?>
-<ds:datastoreItem xmlns:ds="http://schemas.openxmlformats.org/officeDocument/2006/customXml" ds:itemID="{137651BA-F45C-4845-9AB3-E0A65B39F5E1}">
-  <ds:schemaRefs>
-    <ds:schemaRef ds:uri="http://schemas.microsoft.com/office/2006/metadata/properties"/>
-    <ds:schemaRef ds:uri="http://schemas.microsoft.com/office/infopath/2007/PartnerControls"/>
-    <ds:schemaRef ds:uri="71af3243-3dd4-4a8d-8c0d-dd76da1f02a5"/>
-  </ds:schemaRefs>
-</ds:datastoreItem>
 </file>
--- a/Medical Device Report.pptx
+++ b/Medical Device Report.pptx
@@ -117,66 +117,6 @@
     </p:ext>
   </p:extLst>
 </p:presentation>
-</file>
-
-<file path=ppt/revisionInfo.xml><?xml version="1.0" encoding="utf-8"?>
-<p1510:revInfo xmlns:a="http://schemas.openxmlformats.org/drawingml/2006/main" xmlns:r="http://schemas.openxmlformats.org/officeDocument/2006/relationships" xmlns:p1510="http://schemas.microsoft.com/office/powerpoint/2015/10/main">
-  <p1510:revLst>
-    <p1510:client id="{0CB69CD4-6422-4FC8-B50E-625186BF9651}" v="1" dt="2020-10-28T21:40:39.841"/>
-  </p1510:revLst>
-</p1510:revInfo>
-</file>
-
-<file path=ppt/changesInfos/changesInfo1.xml><?xml version="1.0" encoding="utf-8"?>
-<pc:chgInfo xmlns:a="http://schemas.openxmlformats.org/drawingml/2006/main" xmlns:r="http://schemas.openxmlformats.org/officeDocument/2006/relationships" xmlns:ac="http://schemas.microsoft.com/office/drawing/2013/main/command" xmlns:pc="http://schemas.microsoft.com/office/powerpoint/2013/main/command">
-  <pc:docChgLst>
-    <pc:chgData name="Becky Joseph" userId="27a724ee415acd52" providerId="LiveId" clId="{0CB69CD4-6422-4FC8-B50E-625186BF9651}"/>
-    <pc:docChg chg="custSel modSld">
-      <pc:chgData name="Becky Joseph" userId="27a724ee415acd52" providerId="LiveId" clId="{0CB69CD4-6422-4FC8-B50E-625186BF9651}" dt="2020-10-28T21:47:20.987" v="414" actId="20577"/>
-      <pc:docMkLst>
-        <pc:docMk/>
-      </pc:docMkLst>
-      <pc:sldChg chg="modSp mod">
-        <pc:chgData name="Becky Joseph" userId="27a724ee415acd52" providerId="LiveId" clId="{0CB69CD4-6422-4FC8-B50E-625186BF9651}" dt="2020-10-28T21:47:20.987" v="414" actId="20577"/>
-        <pc:sldMkLst>
-          <pc:docMk/>
-          <pc:sldMk cId="3128859390" sldId="269"/>
-        </pc:sldMkLst>
-        <pc:spChg chg="mod">
-          <ac:chgData name="Becky Joseph" userId="27a724ee415acd52" providerId="LiveId" clId="{0CB69CD4-6422-4FC8-B50E-625186BF9651}" dt="2020-10-28T21:47:20.987" v="414" actId="20577"/>
-          <ac:spMkLst>
-            <pc:docMk/>
-            <pc:sldMk cId="3128859390" sldId="269"/>
-            <ac:spMk id="11" creationId="{323032CB-AD7A-40F6-871E-D273E1F5D08B}"/>
-          </ac:spMkLst>
-        </pc:spChg>
-      </pc:sldChg>
-      <pc:sldChg chg="addSp modSp mod">
-        <pc:chgData name="Becky Joseph" userId="27a724ee415acd52" providerId="LiveId" clId="{0CB69CD4-6422-4FC8-B50E-625186BF9651}" dt="2020-10-28T21:46:12.349" v="355" actId="20577"/>
-        <pc:sldMkLst>
-          <pc:docMk/>
-          <pc:sldMk cId="2865526722" sldId="270"/>
-        </pc:sldMkLst>
-        <pc:spChg chg="mod">
-          <ac:chgData name="Becky Joseph" userId="27a724ee415acd52" providerId="LiveId" clId="{0CB69CD4-6422-4FC8-B50E-625186BF9651}" dt="2020-10-28T21:45:12.578" v="250" actId="20577"/>
-          <ac:spMkLst>
-            <pc:docMk/>
-            <pc:sldMk cId="2865526722" sldId="270"/>
-            <ac:spMk id="2" creationId="{7E4BA615-46C6-4203-979A-910A2E9E569B}"/>
-          </ac:spMkLst>
-        </pc:spChg>
-        <pc:spChg chg="add mod">
-          <ac:chgData name="Becky Joseph" userId="27a724ee415acd52" providerId="LiveId" clId="{0CB69CD4-6422-4FC8-B50E-625186BF9651}" dt="2020-10-28T21:46:12.349" v="355" actId="20577"/>
-          <ac:spMkLst>
-            <pc:docMk/>
-            <pc:sldMk cId="2865526722" sldId="270"/>
-            <ac:spMk id="3" creationId="{7F0D3806-C045-400F-BEC3-7A6F32559578}"/>
-          </ac:spMkLst>
-        </pc:spChg>
-      </pc:sldChg>
-    </pc:docChg>
-  </pc:docChgLst>
-</pc:chgInfo>
 </file>
 
 <file path=ppt/slideLayouts/slideLayout1.xml><?xml version="1.0" encoding="utf-8"?>
@@ -648,7 +588,7 @@
           <a:p>
             <a:fld id="{EA0C0817-A112-4847-8014-A94B7D2A4EA3}" type="datetime1">
               <a:rPr lang="en-US" smtClean="0"/>
-              <a:t>10/27/2020</a:t>
+              <a:t>10/28/2020</a:t>
             </a:fld>
             <a:endParaRPr lang="en-US" dirty="0"/>
           </a:p>
@@ -850,7 +790,7 @@
           <a:p>
             <a:fld id="{7332B432-ACDA-4023-A761-2BAB76577B62}" type="datetime1">
               <a:rPr lang="en-US" smtClean="0"/>
-              <a:t>10/27/2020</a:t>
+              <a:t>10/28/2020</a:t>
             </a:fld>
             <a:endParaRPr lang="en-US" dirty="0"/>
           </a:p>
@@ -1449,7 +1389,7 @@
           <a:p>
             <a:fld id="{D9C646AA-F36E-4540-911D-FFFC0A0EF24A}" type="datetime1">
               <a:rPr lang="en-US" smtClean="0"/>
-              <a:t>10/27/2020</a:t>
+              <a:t>10/28/2020</a:t>
             </a:fld>
             <a:endParaRPr lang="en-US" dirty="0"/>
           </a:p>
@@ -1769,7 +1709,7 @@
           <a:p>
             <a:fld id="{69186D26-FA5F-4637-B602-B7C2DC34CFD4}" type="datetime1">
               <a:rPr lang="en-US" smtClean="0"/>
-              <a:t>10/27/2020</a:t>
+              <a:t>10/28/2020</a:t>
             </a:fld>
             <a:endParaRPr lang="en-US" dirty="0"/>
           </a:p>
@@ -2206,7 +2146,7 @@
           <a:p>
             <a:fld id="{8A7F15D8-96D1-4781-BC50-CA8A088B2FE4}" type="datetime1">
               <a:rPr lang="en-US" smtClean="0"/>
-              <a:t>10/27/2020</a:t>
+              <a:t>10/28/2020</a:t>
             </a:fld>
             <a:endParaRPr lang="en-US" dirty="0"/>
           </a:p>
@@ -2324,7 +2264,7 @@
           <a:p>
             <a:fld id="{F9A96C99-B8F8-4528-BD05-0E16E943DC09}" type="datetime1">
               <a:rPr lang="en-US" smtClean="0"/>
-              <a:t>10/27/2020</a:t>
+              <a:t>10/28/2020</a:t>
             </a:fld>
             <a:endParaRPr lang="en-US" dirty="0"/>
           </a:p>
@@ -2419,7 +2359,7 @@
           <a:p>
             <a:fld id="{03636942-C211-4B28-8DBD-C953E00AF71B}" type="datetime1">
               <a:rPr lang="en-US" smtClean="0"/>
-              <a:t>10/27/2020</a:t>
+              <a:t>10/28/2020</a:t>
             </a:fld>
             <a:endParaRPr lang="en-US" dirty="0"/>
           </a:p>
@@ -2836,7 +2776,7 @@
           <a:p>
             <a:fld id="{7E8D12A6-918A-48BD-8CB9-CA713993B0EA}" type="datetime1">
               <a:rPr lang="en-US" smtClean="0"/>
-              <a:t>10/27/2020</a:t>
+              <a:t>10/28/2020</a:t>
             </a:fld>
             <a:endParaRPr lang="en-US" dirty="0"/>
           </a:p>
@@ -3098,7 +3038,7 @@
             <a:fld id="{E778CE86-875F-4587-BCF6-FA054AFC0D53}" type="datetime1">
               <a:rPr lang="en-US" smtClean="0"/>
               <a:pPr/>
-              <a:t>10/27/2020</a:t>
+              <a:t>10/28/2020</a:t>
             </a:fld>
             <a:endParaRPr lang="en-US" dirty="0"/>
           </a:p>
@@ -3614,7 +3554,7 @@
           <a:p>
             <a:fld id="{F6FA2B21-3FCD-4721-B95C-427943F61125}" type="datetime1">
               <a:rPr lang="en-US" smtClean="0"/>
-              <a:t>10/27/2020</a:t>
+              <a:t>10/28/2020</a:t>
             </a:fld>
             <a:endParaRPr lang="en-US" dirty="0"/>
           </a:p>
@@ -5160,7 +5100,7 @@
           <a:p>
             <a:r>
               <a:rPr lang="en-US" dirty="0"/>
-              <a:t>Medical Device Events In Radiology</a:t>
+              <a:t>Recalls In Radiology</a:t>
             </a:r>
           </a:p>
         </p:txBody>
@@ -5223,41 +5163,6 @@
           </a:xfrm>
         </p:spPr>
       </p:pic>
-      <p:sp>
-        <p:nvSpPr>
-          <p:cNvPr id="3" name="TextBox 2">
-            <a:extLst>
-              <a:ext uri="{FF2B5EF4-FFF2-40B4-BE49-F238E27FC236}">
-                <a16:creationId xmlns:a16="http://schemas.microsoft.com/office/drawing/2014/main" id="{7F0D3806-C045-400F-BEC3-7A6F32559578}"/>
-              </a:ext>
-            </a:extLst>
-          </p:cNvPr>
-          <p:cNvSpPr txBox="1"/>
-          <p:nvPr/>
-        </p:nvSpPr>
-        <p:spPr>
-          <a:xfrm>
-            <a:off x="6333688" y="3984771"/>
-            <a:ext cx="5100506" cy="1200329"/>
-          </a:xfrm>
-          <a:prstGeom prst="rect">
-            <a:avLst/>
-          </a:prstGeom>
-          <a:noFill/>
-        </p:spPr>
-        <p:txBody>
-          <a:bodyPr wrap="square" rtlCol="0">
-            <a:spAutoFit/>
-          </a:bodyPr>
-          <a:lstStyle/>
-          <a:p>
-            <a:r>
-              <a:rPr lang="en-US" dirty="0"/>
-              <a:t>Radiology had the highest amount of open recalls.  Narrowing in on which manufacturers and types of equipment had the most issues. </a:t>
-            </a:r>
-          </a:p>
-        </p:txBody>
-      </p:sp>
     </p:spTree>
     <p:extLst>
       <p:ext uri="{BB962C8B-B14F-4D97-AF65-F5344CB8AC3E}">
@@ -5290,10 +5195,10 @@
       </p:grpSpPr>
       <p:sp>
         <p:nvSpPr>
-          <p:cNvPr id="11" name="Title 1">
+          <p:cNvPr id="16" name="Title 1">
             <a:extLst>
               <a:ext uri="{FF2B5EF4-FFF2-40B4-BE49-F238E27FC236}">
-                <a16:creationId xmlns:a16="http://schemas.microsoft.com/office/drawing/2014/main" id="{323032CB-AD7A-40F6-871E-D273E1F5D08B}"/>
+                <a16:creationId xmlns:a16="http://schemas.microsoft.com/office/drawing/2014/main" id="{68A21898-DB73-4A25-ABAF-9BA1AC190449}"/>
               </a:ext>
             </a:extLst>
           </p:cNvPr>
@@ -5314,14 +5219,6 @@
           <a:bodyPr/>
           <a:lstStyle/>
           <a:p>
-            <a:r>
-              <a:rPr lang="en-US" dirty="0"/>
-              <a:t>Top manufacturers of devices across </a:t>
-            </a:r>
-            <a:r>
-              <a:rPr lang="en-US"/>
-              <a:t>the world</a:t>
-            </a:r>
             <a:endParaRPr lang="en-US" dirty="0"/>
           </a:p>
         </p:txBody>
@@ -5350,9 +5247,10 @@
         </p:blipFill>
         <p:spPr>
           <a:xfrm>
-            <a:off x="1409700" y="2194719"/>
-            <a:ext cx="9372600" cy="3667125"/>
-          </a:xfrm>
+            <a:off x="1192021" y="2103120"/>
+            <a:ext cx="9807957" cy="3849624"/>
+          </a:xfrm>
+          <a:noFill/>
         </p:spPr>
       </p:pic>
     </p:spTree>
@@ -5645,24 +5543,6 @@
 </file>
 
 <file path=customXml/item1.xml><?xml version="1.0" encoding="utf-8"?>
-<p:properties xmlns:p="http://schemas.microsoft.com/office/2006/metadata/properties" xmlns:xsi="http://www.w3.org/2001/XMLSchema-instance" xmlns:pc="http://schemas.microsoft.com/office/infopath/2007/PartnerControls">
-  <documentManagement>
-    <Status xmlns="71af3243-3dd4-4a8d-8c0d-dd76da1f02a5">Not started</Status>
-    <MediaServiceKeyPoints xmlns="71af3243-3dd4-4a8d-8c0d-dd76da1f02a5" xsi:nil="true"/>
-  </documentManagement>
-</p:properties>
-</file>
-
-<file path=customXml/item2.xml><?xml version="1.0" encoding="utf-8"?>
-<?mso-contentType ?>
-<FormTemplates xmlns="http://schemas.microsoft.com/sharepoint/v3/contenttype/forms">
-  <Display>DocumentLibraryForm</Display>
-  <Edit>DocumentLibraryForm</Edit>
-  <New>DocumentLibraryForm</New>
-</FormTemplates>
-</file>
-
-<file path=customXml/item3.xml><?xml version="1.0" encoding="utf-8"?>
 <ct:contentTypeSchema xmlns:ct="http://schemas.microsoft.com/office/2006/metadata/contentType" xmlns:ma="http://schemas.microsoft.com/office/2006/metadata/properties/metaAttributes" ct:_="" ma:_="" ma:contentTypeName="Document" ma:contentTypeID="0x01010079F111ED35F8CC479449609E8A0923A6" ma:contentTypeVersion="12" ma:contentTypeDescription="Create a new document." ma:contentTypeScope="" ma:versionID="a410dd7f93c95333ffa1b60ed6adedd1">
   <xsd:schema xmlns:xsd="http://www.w3.org/2001/XMLSchema" xmlns:xs="http://www.w3.org/2001/XMLSchema" xmlns:p="http://schemas.microsoft.com/office/2006/metadata/properties" xmlns:ns2="71af3243-3dd4-4a8d-8c0d-dd76da1f02a5" xmlns:ns3="16c05727-aa75-4e4a-9b5f-8a80a1165891" targetNamespace="http://schemas.microsoft.com/office/2006/metadata/properties" ma:root="true" ma:fieldsID="a936d9baba76aa3866493feff160faab" ns2:_="" ns3:_="">
     <xsd:import namespace="71af3243-3dd4-4a8d-8c0d-dd76da1f02a5"/>
@@ -5883,25 +5763,25 @@
 </ct:contentTypeSchema>
 </file>
 
-<file path=customXml/itemProps1.xml><?xml version="1.0" encoding="utf-8"?>
-<ds:datastoreItem xmlns:ds="http://schemas.openxmlformats.org/officeDocument/2006/customXml" ds:itemID="{137651BA-F45C-4845-9AB3-E0A65B39F5E1}">
-  <ds:schemaRefs>
-    <ds:schemaRef ds:uri="http://schemas.microsoft.com/office/2006/metadata/properties"/>
-    <ds:schemaRef ds:uri="http://schemas.microsoft.com/office/infopath/2007/PartnerControls"/>
-    <ds:schemaRef ds:uri="71af3243-3dd4-4a8d-8c0d-dd76da1f02a5"/>
-  </ds:schemaRefs>
-</ds:datastoreItem>
+<file path=customXml/item2.xml><?xml version="1.0" encoding="utf-8"?>
+<p:properties xmlns:p="http://schemas.microsoft.com/office/2006/metadata/properties" xmlns:xsi="http://www.w3.org/2001/XMLSchema-instance" xmlns:pc="http://schemas.microsoft.com/office/infopath/2007/PartnerControls">
+  <documentManagement>
+    <Status xmlns="71af3243-3dd4-4a8d-8c0d-dd76da1f02a5">Not started</Status>
+    <MediaServiceKeyPoints xmlns="71af3243-3dd4-4a8d-8c0d-dd76da1f02a5" xsi:nil="true"/>
+  </documentManagement>
+</p:properties>
 </file>
 
-<file path=customXml/itemProps2.xml><?xml version="1.0" encoding="utf-8"?>
-<ds:datastoreItem xmlns:ds="http://schemas.openxmlformats.org/officeDocument/2006/customXml" ds:itemID="{CDB58277-F8DF-46FF-84EC-EF41B835E69F}">
-  <ds:schemaRefs>
-    <ds:schemaRef ds:uri="http://schemas.microsoft.com/sharepoint/v3/contenttype/forms"/>
-  </ds:schemaRefs>
-</ds:datastoreItem>
+<file path=customXml/item3.xml><?xml version="1.0" encoding="utf-8"?>
+<?mso-contentType ?>
+<FormTemplates xmlns="http://schemas.microsoft.com/sharepoint/v3/contenttype/forms">
+  <Display>DocumentLibraryForm</Display>
+  <Edit>DocumentLibraryForm</Edit>
+  <New>DocumentLibraryForm</New>
+</FormTemplates>
 </file>
 
-<file path=customXml/itemProps3.xml><?xml version="1.0" encoding="utf-8"?>
+<file path=customXml/itemProps1.xml><?xml version="1.0" encoding="utf-8"?>
 <ds:datastoreItem xmlns:ds="http://schemas.openxmlformats.org/officeDocument/2006/customXml" ds:itemID="{2D276E62-80A3-44DD-9BCC-97ED2B99B57F}">
   <ds:schemaRefs>
     <ds:schemaRef ds:uri="http://schemas.microsoft.com/office/2006/metadata/contentType"/>
@@ -5918,4 +5798,22 @@
     <ds:schemaRef ds:uri="http://schemas.microsoft.com/internal/obd"/>
   </ds:schemaRefs>
 </ds:datastoreItem>
+</file>
+
+<file path=customXml/itemProps2.xml><?xml version="1.0" encoding="utf-8"?>
+<ds:datastoreItem xmlns:ds="http://schemas.openxmlformats.org/officeDocument/2006/customXml" ds:itemID="{137651BA-F45C-4845-9AB3-E0A65B39F5E1}">
+  <ds:schemaRefs>
+    <ds:schemaRef ds:uri="http://schemas.microsoft.com/office/2006/metadata/properties"/>
+    <ds:schemaRef ds:uri="http://schemas.microsoft.com/office/infopath/2007/PartnerControls"/>
+    <ds:schemaRef ds:uri="71af3243-3dd4-4a8d-8c0d-dd76da1f02a5"/>
+  </ds:schemaRefs>
+</ds:datastoreItem>
+</file>
+
+<file path=customXml/itemProps3.xml><?xml version="1.0" encoding="utf-8"?>
+<ds:datastoreItem xmlns:ds="http://schemas.openxmlformats.org/officeDocument/2006/customXml" ds:itemID="{CDB58277-F8DF-46FF-84EC-EF41B835E69F}">
+  <ds:schemaRefs>
+    <ds:schemaRef ds:uri="http://schemas.microsoft.com/sharepoint/v3/contenttype/forms"/>
+  </ds:schemaRefs>
+</ds:datastoreItem>
 </file>
--- a/Medical Device Report.pptx
+++ b/Medical Device Report.pptx
@@ -6,13 +6,16 @@
   </p:sldMasterIdLst>
   <p:sldIdLst>
     <p:sldId id="257" r:id="rId5"/>
-    <p:sldId id="262" r:id="rId6"/>
-    <p:sldId id="263" r:id="rId7"/>
-    <p:sldId id="264" r:id="rId8"/>
-    <p:sldId id="266" r:id="rId9"/>
-    <p:sldId id="271" r:id="rId10"/>
-    <p:sldId id="270" r:id="rId11"/>
-    <p:sldId id="269" r:id="rId12"/>
+    <p:sldId id="272" r:id="rId6"/>
+    <p:sldId id="262" r:id="rId7"/>
+    <p:sldId id="263" r:id="rId8"/>
+    <p:sldId id="264" r:id="rId9"/>
+    <p:sldId id="266" r:id="rId10"/>
+    <p:sldId id="271" r:id="rId11"/>
+    <p:sldId id="270" r:id="rId12"/>
+    <p:sldId id="269" r:id="rId13"/>
+    <p:sldId id="274" r:id="rId14"/>
+    <p:sldId id="273" r:id="rId15"/>
   </p:sldIdLst>
   <p:sldSz cx="12192000" cy="6858000"/>
   <p:notesSz cx="6858000" cy="9144000"/>
@@ -117,6 +120,14 @@
     </p:ext>
   </p:extLst>
 </p:presentation>
+</file>
+
+<file path=ppt/revisionInfo.xml><?xml version="1.0" encoding="utf-8"?>
+<p1510:revInfo xmlns:a="http://schemas.openxmlformats.org/drawingml/2006/main" xmlns:r="http://schemas.openxmlformats.org/officeDocument/2006/relationships" xmlns:p1510="http://schemas.microsoft.com/office/powerpoint/2015/10/main">
+  <p1510:revLst>
+    <p1510:client id="{0CB69CD4-6422-4FC8-B50E-625186BF9651}" v="1" dt="2020-10-28T21:40:39.841"/>
+  </p1510:revLst>
+</p1510:revInfo>
 </file>
 
 <file path=ppt/slideLayouts/slideLayout1.xml><?xml version="1.0" encoding="utf-8"?>
@@ -4249,6 +4260,224 @@
 </p:sld>
 </file>
 
+<file path=ppt/slides/slide10.xml><?xml version="1.0" encoding="utf-8"?>
+<p:sld xmlns:a="http://schemas.openxmlformats.org/drawingml/2006/main" xmlns:r="http://schemas.openxmlformats.org/officeDocument/2006/relationships" xmlns:p="http://schemas.openxmlformats.org/presentationml/2006/main">
+  <p:cSld>
+    <p:spTree>
+      <p:nvGrpSpPr>
+        <p:cNvPr id="1" name=""/>
+        <p:cNvGrpSpPr/>
+        <p:nvPr/>
+      </p:nvGrpSpPr>
+      <p:grpSpPr>
+        <a:xfrm>
+          <a:off x="0" y="0"/>
+          <a:ext cx="0" cy="0"/>
+          <a:chOff x="0" y="0"/>
+          <a:chExt cx="0" cy="0"/>
+        </a:xfrm>
+      </p:grpSpPr>
+      <p:sp>
+        <p:nvSpPr>
+          <p:cNvPr id="2" name="Title 1">
+            <a:extLst>
+              <a:ext uri="{FF2B5EF4-FFF2-40B4-BE49-F238E27FC236}">
+                <a16:creationId xmlns:a16="http://schemas.microsoft.com/office/drawing/2014/main" id="{C97ACD9C-7D75-48EE-8601-C313B0A0035D}"/>
+              </a:ext>
+            </a:extLst>
+          </p:cNvPr>
+          <p:cNvSpPr>
+            <a:spLocks noGrp="1"/>
+          </p:cNvSpPr>
+          <p:nvPr>
+            <p:ph type="title"/>
+          </p:nvPr>
+        </p:nvSpPr>
+        <p:spPr/>
+        <p:txBody>
+          <a:bodyPr>
+            <a:normAutofit/>
+          </a:bodyPr>
+          <a:lstStyle/>
+          <a:p>
+            <a:pPr algn="ctr"/>
+            <a:r>
+              <a:rPr lang="en-US" sz="5400" dirty="0">
+                <a:latin typeface="Times New Roman" panose="02020603050405020304" pitchFamily="18" charset="0"/>
+                <a:cs typeface="Times New Roman" panose="02020603050405020304" pitchFamily="18" charset="0"/>
+              </a:rPr>
+              <a:t>Conclusions:</a:t>
+            </a:r>
+          </a:p>
+        </p:txBody>
+      </p:sp>
+      <p:sp>
+        <p:nvSpPr>
+          <p:cNvPr id="3" name="Content Placeholder 2">
+            <a:extLst>
+              <a:ext uri="{FF2B5EF4-FFF2-40B4-BE49-F238E27FC236}">
+                <a16:creationId xmlns:a16="http://schemas.microsoft.com/office/drawing/2014/main" id="{1BEAA379-5D22-4603-A70D-AA9E33B546CA}"/>
+              </a:ext>
+            </a:extLst>
+          </p:cNvPr>
+          <p:cNvSpPr>
+            <a:spLocks noGrp="1"/>
+          </p:cNvSpPr>
+          <p:nvPr>
+            <p:ph idx="1"/>
+          </p:nvPr>
+        </p:nvSpPr>
+        <p:spPr/>
+        <p:txBody>
+          <a:bodyPr>
+            <a:normAutofit/>
+          </a:bodyPr>
+          <a:lstStyle/>
+          <a:p>
+            <a:endParaRPr lang="en-US" sz="3600" dirty="0">
+              <a:solidFill>
+                <a:srgbClr val="1D1C1D"/>
+              </a:solidFill>
+              <a:latin typeface="Times New Roman" panose="02020603050405020304" pitchFamily="18" charset="0"/>
+              <a:cs typeface="Times New Roman" panose="02020603050405020304" pitchFamily="18" charset="0"/>
+            </a:endParaRPr>
+          </a:p>
+          <a:p>
+            <a:r>
+              <a:rPr lang="en-US" sz="3600" dirty="0">
+                <a:solidFill>
+                  <a:srgbClr val="1D1C1D"/>
+                </a:solidFill>
+                <a:latin typeface="Times New Roman" panose="02020603050405020304" pitchFamily="18" charset="0"/>
+                <a:cs typeface="Times New Roman" panose="02020603050405020304" pitchFamily="18" charset="0"/>
+              </a:rPr>
+              <a:t>More data was needed</a:t>
+            </a:r>
+          </a:p>
+          <a:p>
+            <a:r>
+              <a:rPr lang="en-US" sz="3600" b="0" i="0" dirty="0">
+                <a:solidFill>
+                  <a:srgbClr val="1D1C1D"/>
+                </a:solidFill>
+                <a:effectLst/>
+                <a:latin typeface="Times New Roman" panose="02020603050405020304" pitchFamily="18" charset="0"/>
+                <a:cs typeface="Times New Roman" panose="02020603050405020304" pitchFamily="18" charset="0"/>
+              </a:rPr>
+              <a:t>Limited user input</a:t>
+            </a:r>
+          </a:p>
+          <a:p>
+            <a:r>
+              <a:rPr lang="en-US" sz="3600" dirty="0">
+                <a:solidFill>
+                  <a:srgbClr val="1D1C1D"/>
+                </a:solidFill>
+                <a:latin typeface="Times New Roman" panose="02020603050405020304" pitchFamily="18" charset="0"/>
+                <a:cs typeface="Times New Roman" panose="02020603050405020304" pitchFamily="18" charset="0"/>
+              </a:rPr>
+              <a:t>The size</a:t>
+            </a:r>
+            <a:r>
+              <a:rPr lang="en-US" sz="3600" b="0" i="0" dirty="0">
+                <a:solidFill>
+                  <a:srgbClr val="1D1C1D"/>
+                </a:solidFill>
+                <a:effectLst/>
+                <a:latin typeface="Times New Roman" panose="02020603050405020304" pitchFamily="18" charset="0"/>
+                <a:cs typeface="Times New Roman" panose="02020603050405020304" pitchFamily="18" charset="0"/>
+              </a:rPr>
+              <a:t> of the files were too big</a:t>
+            </a:r>
+            <a:endParaRPr lang="en-US" sz="3600" dirty="0">
+              <a:latin typeface="Times New Roman" panose="02020603050405020304" pitchFamily="18" charset="0"/>
+              <a:cs typeface="Times New Roman" panose="02020603050405020304" pitchFamily="18" charset="0"/>
+            </a:endParaRPr>
+          </a:p>
+        </p:txBody>
+      </p:sp>
+    </p:spTree>
+    <p:extLst>
+      <p:ext uri="{BB962C8B-B14F-4D97-AF65-F5344CB8AC3E}">
+        <p14:creationId xmlns:p14="http://schemas.microsoft.com/office/powerpoint/2010/main" val="2857145198"/>
+      </p:ext>
+    </p:extLst>
+  </p:cSld>
+  <p:clrMapOvr>
+    <a:masterClrMapping/>
+  </p:clrMapOvr>
+</p:sld>
+</file>
+
+<file path=ppt/slides/slide11.xml><?xml version="1.0" encoding="utf-8"?>
+<p:sld xmlns:a="http://schemas.openxmlformats.org/drawingml/2006/main" xmlns:r="http://schemas.openxmlformats.org/officeDocument/2006/relationships" xmlns:p="http://schemas.openxmlformats.org/presentationml/2006/main">
+  <p:cSld>
+    <p:spTree>
+      <p:nvGrpSpPr>
+        <p:cNvPr id="1" name=""/>
+        <p:cNvGrpSpPr/>
+        <p:nvPr/>
+      </p:nvGrpSpPr>
+      <p:grpSpPr>
+        <a:xfrm>
+          <a:off x="0" y="0"/>
+          <a:ext cx="0" cy="0"/>
+          <a:chOff x="0" y="0"/>
+          <a:chExt cx="0" cy="0"/>
+        </a:xfrm>
+      </p:grpSpPr>
+      <p:sp>
+        <p:nvSpPr>
+          <p:cNvPr id="4" name="TextBox 3">
+            <a:extLst>
+              <a:ext uri="{FF2B5EF4-FFF2-40B4-BE49-F238E27FC236}">
+                <a16:creationId xmlns:a16="http://schemas.microsoft.com/office/drawing/2014/main" id="{1C6FDD63-4A97-4EFB-9543-5A0BB6B8BAEA}"/>
+              </a:ext>
+            </a:extLst>
+          </p:cNvPr>
+          <p:cNvSpPr txBox="1"/>
+          <p:nvPr/>
+        </p:nvSpPr>
+        <p:spPr>
+          <a:xfrm>
+            <a:off x="2119312" y="2523688"/>
+            <a:ext cx="7953375" cy="1107996"/>
+          </a:xfrm>
+          <a:prstGeom prst="rect">
+            <a:avLst/>
+          </a:prstGeom>
+          <a:noFill/>
+        </p:spPr>
+        <p:txBody>
+          <a:bodyPr wrap="square" rtlCol="0">
+            <a:spAutoFit/>
+          </a:bodyPr>
+          <a:lstStyle/>
+          <a:p>
+            <a:pPr algn="ctr"/>
+            <a:r>
+              <a:rPr lang="en-US" sz="6600" dirty="0">
+                <a:latin typeface="Times New Roman" panose="02020603050405020304" pitchFamily="18" charset="0"/>
+                <a:cs typeface="Times New Roman" panose="02020603050405020304" pitchFamily="18" charset="0"/>
+              </a:rPr>
+              <a:t>Questions?</a:t>
+            </a:r>
+          </a:p>
+        </p:txBody>
+      </p:sp>
+    </p:spTree>
+    <p:extLst>
+      <p:ext uri="{BB962C8B-B14F-4D97-AF65-F5344CB8AC3E}">
+        <p14:creationId xmlns:p14="http://schemas.microsoft.com/office/powerpoint/2010/main" val="1296920635"/>
+      </p:ext>
+    </p:extLst>
+  </p:cSld>
+  <p:clrMapOvr>
+    <a:masterClrMapping/>
+  </p:clrMapOvr>
+</p:sld>
+</file>
+
 <file path=ppt/slides/slide2.xml><?xml version="1.0" encoding="utf-8"?>
 <p:sld xmlns:a="http://schemas.openxmlformats.org/drawingml/2006/main" xmlns:r="http://schemas.openxmlformats.org/officeDocument/2006/relationships" xmlns:p="http://schemas.openxmlformats.org/presentationml/2006/main">
   <p:cSld>
@@ -4268,10 +4497,10 @@
       </p:grpSpPr>
       <p:sp>
         <p:nvSpPr>
-          <p:cNvPr id="71" name="Title 2">
+          <p:cNvPr id="2" name="Title 1">
             <a:extLst>
               <a:ext uri="{FF2B5EF4-FFF2-40B4-BE49-F238E27FC236}">
-                <a16:creationId xmlns:a16="http://schemas.microsoft.com/office/drawing/2014/main" id="{4FF97D5E-59BF-44BD-AE44-7920A4ADA540}"/>
+                <a16:creationId xmlns:a16="http://schemas.microsoft.com/office/drawing/2014/main" id="{43349E6A-31F9-4679-BB90-E072FD20F11C}"/>
               </a:ext>
             </a:extLst>
           </p:cNvPr>
@@ -4285,45 +4514,7 @@
         <p:spPr>
           <a:xfrm>
             <a:off x="1066800" y="642594"/>
-            <a:ext cx="10058400" cy="1371600"/>
-          </a:xfrm>
-        </p:spPr>
-        <p:txBody>
-          <a:bodyPr anchor="ctr">
-            <a:normAutofit/>
-          </a:bodyPr>
-          <a:lstStyle/>
-          <a:p>
-            <a:r>
-              <a:rPr lang="en-US" dirty="0">
-                <a:latin typeface="Times New Roman" panose="02020603050405020304" pitchFamily="18" charset="0"/>
-                <a:cs typeface="Times New Roman" panose="02020603050405020304" pitchFamily="18" charset="0"/>
-              </a:rPr>
-              <a:t>The Medical Specialty in the FDA Database</a:t>
-            </a:r>
-          </a:p>
-        </p:txBody>
-      </p:sp>
-      <p:sp>
-        <p:nvSpPr>
-          <p:cNvPr id="73" name="Text Placeholder 3">
-            <a:extLst>
-              <a:ext uri="{FF2B5EF4-FFF2-40B4-BE49-F238E27FC236}">
-                <a16:creationId xmlns:a16="http://schemas.microsoft.com/office/drawing/2014/main" id="{E3B37324-5D80-4263-91D4-22A8C76C8397}"/>
-              </a:ext>
-            </a:extLst>
-          </p:cNvPr>
-          <p:cNvSpPr>
-            <a:spLocks noGrp="1"/>
-          </p:cNvSpPr>
-          <p:nvPr>
-            <p:ph sz="half" idx="1"/>
-          </p:nvPr>
-        </p:nvSpPr>
-        <p:spPr>
-          <a:xfrm>
-            <a:off x="1066800" y="2103120"/>
-            <a:ext cx="4663440" cy="3749040"/>
+            <a:ext cx="10058400" cy="820446"/>
           </a:xfrm>
         </p:spPr>
         <p:txBody>
@@ -4333,65 +4524,79 @@
           <a:lstStyle/>
           <a:p>
             <a:r>
-              <a:rPr lang="en-US" dirty="0">
-                <a:latin typeface="Times New Roman" panose="02020603050405020304" pitchFamily="18" charset="0"/>
-                <a:cs typeface="Times New Roman" panose="02020603050405020304" pitchFamily="18" charset="0"/>
-              </a:rPr>
-              <a:t>Using the API provided by the FDA, data of various Medical Devices were obtained. </a:t>
-            </a:r>
-          </a:p>
-          <a:p>
-            <a:r>
-              <a:rPr lang="en-US" dirty="0">
-                <a:latin typeface="Times New Roman" panose="02020603050405020304" pitchFamily="18" charset="0"/>
-                <a:cs typeface="Times New Roman" panose="02020603050405020304" pitchFamily="18" charset="0"/>
-              </a:rPr>
-              <a:t>This devices can be grouped in the categories shown on the “Number of devices per Medical Specialty” graph.</a:t>
-            </a:r>
-          </a:p>
-        </p:txBody>
-      </p:sp>
-      <p:pic>
-        <p:nvPicPr>
-          <p:cNvPr id="1026" name="Picture 2">
+              <a:rPr lang="en-US" dirty="0"/>
+              <a:t>Some of the questions we had…</a:t>
+            </a:r>
+          </a:p>
+        </p:txBody>
+      </p:sp>
+      <p:sp>
+        <p:nvSpPr>
+          <p:cNvPr id="3" name="Content Placeholder 2">
             <a:extLst>
               <a:ext uri="{FF2B5EF4-FFF2-40B4-BE49-F238E27FC236}">
-                <a16:creationId xmlns:a16="http://schemas.microsoft.com/office/drawing/2014/main" id="{FF539477-53B8-4339-812C-CDA17820F2AD}"/>
+                <a16:creationId xmlns:a16="http://schemas.microsoft.com/office/drawing/2014/main" id="{62C26AC1-04E6-4370-83AB-0B2555E13A8A}"/>
               </a:ext>
             </a:extLst>
           </p:cNvPr>
-          <p:cNvPicPr>
-            <a:picLocks noGrp="1" noChangeAspect="1" noChangeArrowheads="1"/>
-          </p:cNvPicPr>
-          <p:nvPr>
-            <p:ph sz="half" idx="2"/>
-          </p:nvPr>
-        </p:nvPicPr>
-        <p:blipFill rotWithShape="1">
-          <a:blip r:embed="rId2">
-            <a:extLst>
-              <a:ext uri="{28A0092B-C50C-407E-A947-70E740481C1C}">
-                <a14:useLocalDpi xmlns:a14="http://schemas.microsoft.com/office/drawing/2010/main" val="0"/>
-              </a:ext>
-            </a:extLst>
-          </a:blip>
-          <a:stretch/>
-        </p:blipFill>
-        <p:spPr bwMode="auto">
-          <a:xfrm>
-            <a:off x="7031713" y="2103120"/>
-            <a:ext cx="3523533" cy="3749040"/>
-          </a:xfrm>
-          <a:prstGeom prst="rect">
-            <a:avLst/>
-          </a:prstGeom>
-          <a:noFill/>
-        </p:spPr>
-      </p:pic>
+          <p:cNvSpPr>
+            <a:spLocks noGrp="1"/>
+          </p:cNvSpPr>
+          <p:nvPr>
+            <p:ph idx="1"/>
+          </p:nvPr>
+        </p:nvSpPr>
+        <p:spPr>
+          <a:xfrm>
+            <a:off x="1066800" y="1896176"/>
+            <a:ext cx="10058400" cy="4056567"/>
+          </a:xfrm>
+        </p:spPr>
+        <p:txBody>
+          <a:bodyPr/>
+          <a:lstStyle/>
+          <a:p>
+            <a:r>
+              <a:rPr lang="en-US" dirty="0"/>
+              <a:t>Alternative Hypothesis: If the Type 1 device trend is the same over time then it will have the same percentage in any year.</a:t>
+            </a:r>
+          </a:p>
+          <a:p>
+            <a:r>
+              <a:rPr lang="en-US" dirty="0"/>
+              <a:t>Null Hypothesis: If the Type 1 device trend is not the same over time then it will not have the same percentage in any year.</a:t>
+            </a:r>
+          </a:p>
+          <a:p>
+            <a:endParaRPr lang="en-US" dirty="0"/>
+          </a:p>
+          <a:p>
+            <a:r>
+              <a:rPr lang="en-US" dirty="0"/>
+              <a:t>Alternative Hypothesis: If medical devices have become more reliable in 2020, then the number of recalls will be less than in 1995?</a:t>
+            </a:r>
+          </a:p>
+          <a:p>
+            <a:r>
+              <a:rPr lang="en-US" dirty="0"/>
+              <a:t>Null Hypothesis: If medical devices have not become more reliable in 2020, then the number of recalls will be not be less than in 1995?</a:t>
+            </a:r>
+          </a:p>
+          <a:p>
+            <a:endParaRPr lang="en-US" dirty="0"/>
+          </a:p>
+          <a:p>
+            <a:endParaRPr lang="en-US" dirty="0"/>
+          </a:p>
+          <a:p>
+            <a:endParaRPr lang="en-US" dirty="0"/>
+          </a:p>
+        </p:txBody>
+      </p:sp>
     </p:spTree>
     <p:extLst>
       <p:ext uri="{BB962C8B-B14F-4D97-AF65-F5344CB8AC3E}">
-        <p14:creationId xmlns:p14="http://schemas.microsoft.com/office/powerpoint/2010/main" val="583197406"/>
+        <p14:creationId xmlns:p14="http://schemas.microsoft.com/office/powerpoint/2010/main" val="225792700"/>
       </p:ext>
     </p:extLst>
   </p:cSld>
@@ -4423,7 +4628,7 @@
           <p:cNvPr id="71" name="Title 2">
             <a:extLst>
               <a:ext uri="{FF2B5EF4-FFF2-40B4-BE49-F238E27FC236}">
-                <a16:creationId xmlns:a16="http://schemas.microsoft.com/office/drawing/2014/main" id="{042397B7-D784-4152-B1DF-C4922CE63234}"/>
+                <a16:creationId xmlns:a16="http://schemas.microsoft.com/office/drawing/2014/main" id="{4FF97D5E-59BF-44BD-AE44-7920A4ADA540}"/>
               </a:ext>
             </a:extLst>
           </p:cNvPr>
@@ -4451,7 +4656,7 @@
                 <a:latin typeface="Times New Roman" panose="02020603050405020304" pitchFamily="18" charset="0"/>
                 <a:cs typeface="Times New Roman" panose="02020603050405020304" pitchFamily="18" charset="0"/>
               </a:rPr>
-              <a:t>The Medical Devices Classification</a:t>
+              <a:t>The Medical Specialty in the FDA Database</a:t>
             </a:r>
           </a:p>
         </p:txBody>
@@ -4461,7 +4666,7 @@
           <p:cNvPr id="73" name="Text Placeholder 3">
             <a:extLst>
               <a:ext uri="{FF2B5EF4-FFF2-40B4-BE49-F238E27FC236}">
-                <a16:creationId xmlns:a16="http://schemas.microsoft.com/office/drawing/2014/main" id="{62B96CE9-1205-4651-959D-2CC7C4001D82}"/>
+                <a16:creationId xmlns:a16="http://schemas.microsoft.com/office/drawing/2014/main" id="{E3B37324-5D80-4263-91D4-22A8C76C8397}"/>
               </a:ext>
             </a:extLst>
           </p:cNvPr>
@@ -4489,7 +4694,7 @@
                 <a:latin typeface="Times New Roman" panose="02020603050405020304" pitchFamily="18" charset="0"/>
                 <a:cs typeface="Times New Roman" panose="02020603050405020304" pitchFamily="18" charset="0"/>
               </a:rPr>
-              <a:t>Depending on the risk that the device represent for a patient, medical devices can be listed into different classes. </a:t>
+              <a:t>Using the API provided by the FDA, data of various Medical Devices were obtained. </a:t>
             </a:r>
           </a:p>
           <a:p>
@@ -4498,44 +4703,17 @@
                 <a:latin typeface="Times New Roman" panose="02020603050405020304" pitchFamily="18" charset="0"/>
                 <a:cs typeface="Times New Roman" panose="02020603050405020304" pitchFamily="18" charset="0"/>
               </a:rPr>
-              <a:t>Class 1 has low to moderate risk</a:t>
-            </a:r>
-          </a:p>
-          <a:p>
-            <a:r>
-              <a:rPr lang="en-US" dirty="0">
-                <a:latin typeface="Times New Roman" panose="02020603050405020304" pitchFamily="18" charset="0"/>
-                <a:cs typeface="Times New Roman" panose="02020603050405020304" pitchFamily="18" charset="0"/>
-              </a:rPr>
-              <a:t>Class 2 has moderate to high risk </a:t>
-            </a:r>
-          </a:p>
-          <a:p>
-            <a:r>
-              <a:rPr lang="en-US" dirty="0">
-                <a:latin typeface="Times New Roman" panose="02020603050405020304" pitchFamily="18" charset="0"/>
-                <a:cs typeface="Times New Roman" panose="02020603050405020304" pitchFamily="18" charset="0"/>
-              </a:rPr>
-              <a:t>Class 3 has really high risk</a:t>
-            </a:r>
-          </a:p>
-          <a:p>
-            <a:r>
-              <a:rPr lang="en-US" dirty="0">
-                <a:latin typeface="Times New Roman" panose="02020603050405020304" pitchFamily="18" charset="0"/>
-                <a:cs typeface="Times New Roman" panose="02020603050405020304" pitchFamily="18" charset="0"/>
-              </a:rPr>
-              <a:t>Of all the devices in the FDA’s database, the majority were class 2 devices.</a:t>
+              <a:t>This devices can be grouped in the categories shown on the “Number of devices per Medical Specialty” graph.</a:t>
             </a:r>
           </a:p>
         </p:txBody>
       </p:sp>
       <p:pic>
         <p:nvPicPr>
-          <p:cNvPr id="2050" name="Picture 2">
+          <p:cNvPr id="1026" name="Picture 2">
             <a:extLst>
               <a:ext uri="{FF2B5EF4-FFF2-40B4-BE49-F238E27FC236}">
-                <a16:creationId xmlns:a16="http://schemas.microsoft.com/office/drawing/2014/main" id="{C0212B8E-3B6C-4051-829C-31BFAF1321A3}"/>
+                <a16:creationId xmlns:a16="http://schemas.microsoft.com/office/drawing/2014/main" id="{FF539477-53B8-4339-812C-CDA17820F2AD}"/>
               </a:ext>
             </a:extLst>
           </p:cNvPr>
@@ -4554,13 +4732,12 @@
               </a:ext>
             </a:extLst>
           </a:blip>
-          <a:srcRect l="10006" r="6961" b="-2"/>
           <a:stretch/>
         </p:blipFill>
         <p:spPr bwMode="auto">
           <a:xfrm>
-            <a:off x="6461760" y="2103120"/>
-            <a:ext cx="4663440" cy="3749040"/>
+            <a:off x="7031713" y="2103120"/>
+            <a:ext cx="3523533" cy="3749040"/>
           </a:xfrm>
           <a:prstGeom prst="rect">
             <a:avLst/>
@@ -4571,7 +4748,7 @@
     </p:spTree>
     <p:extLst>
       <p:ext uri="{BB962C8B-B14F-4D97-AF65-F5344CB8AC3E}">
-        <p14:creationId xmlns:p14="http://schemas.microsoft.com/office/powerpoint/2010/main" val="1382937724"/>
+        <p14:creationId xmlns:p14="http://schemas.microsoft.com/office/powerpoint/2010/main" val="583197406"/>
       </p:ext>
     </p:extLst>
   </p:cSld>
@@ -4600,10 +4777,10 @@
       </p:grpSpPr>
       <p:sp>
         <p:nvSpPr>
-          <p:cNvPr id="3" name="Title 2">
+          <p:cNvPr id="71" name="Title 2">
             <a:extLst>
               <a:ext uri="{FF2B5EF4-FFF2-40B4-BE49-F238E27FC236}">
-                <a16:creationId xmlns:a16="http://schemas.microsoft.com/office/drawing/2014/main" id="{71621606-A859-42FF-934D-3F4BCFC165F8}"/>
+                <a16:creationId xmlns:a16="http://schemas.microsoft.com/office/drawing/2014/main" id="{042397B7-D784-4152-B1DF-C4922CE63234}"/>
               </a:ext>
             </a:extLst>
           </p:cNvPr>
@@ -4627,18 +4804,21 @@
           <a:lstStyle/>
           <a:p>
             <a:r>
-              <a:rPr lang="en-US"/>
-              <a:t>Adverse Events Related to Medical Devices</a:t>
-            </a:r>
-          </a:p>
-        </p:txBody>
-      </p:sp>
-      <p:sp>
-        <p:nvSpPr>
-          <p:cNvPr id="4" name="Text Placeholder 3">
+              <a:rPr lang="en-US" dirty="0">
+                <a:latin typeface="Times New Roman" panose="02020603050405020304" pitchFamily="18" charset="0"/>
+                <a:cs typeface="Times New Roman" panose="02020603050405020304" pitchFamily="18" charset="0"/>
+              </a:rPr>
+              <a:t>The Medical Devices Classification</a:t>
+            </a:r>
+          </a:p>
+        </p:txBody>
+      </p:sp>
+      <p:sp>
+        <p:nvSpPr>
+          <p:cNvPr id="73" name="Text Placeholder 3">
             <a:extLst>
               <a:ext uri="{FF2B5EF4-FFF2-40B4-BE49-F238E27FC236}">
-                <a16:creationId xmlns:a16="http://schemas.microsoft.com/office/drawing/2014/main" id="{4460C1A2-14E4-4039-9F03-EDD5A54A5C4C}"/>
+                <a16:creationId xmlns:a16="http://schemas.microsoft.com/office/drawing/2014/main" id="{62B96CE9-1205-4651-959D-2CC7C4001D82}"/>
               </a:ext>
             </a:extLst>
           </p:cNvPr>
@@ -4662,24 +4842,57 @@
           <a:lstStyle/>
           <a:p>
             <a:r>
-              <a:rPr lang="en-US" dirty="0"/>
-              <a:t>Unfortunately, some devices do not meet the quality standards.</a:t>
-            </a:r>
-          </a:p>
-          <a:p>
-            <a:r>
-              <a:rPr lang="en-US" dirty="0"/>
-              <a:t>When defective devices are used on patient it can lead to an adverse event: Malfunction during a diagnosis, Injury or even death.  </a:t>
+              <a:rPr lang="en-US" dirty="0">
+                <a:latin typeface="Times New Roman" panose="02020603050405020304" pitchFamily="18" charset="0"/>
+                <a:cs typeface="Times New Roman" panose="02020603050405020304" pitchFamily="18" charset="0"/>
+              </a:rPr>
+              <a:t>Depending on the risk that the device represent for a patient, medical devices can be listed into different classes. </a:t>
+            </a:r>
+          </a:p>
+          <a:p>
+            <a:r>
+              <a:rPr lang="en-US" dirty="0">
+                <a:latin typeface="Times New Roman" panose="02020603050405020304" pitchFamily="18" charset="0"/>
+                <a:cs typeface="Times New Roman" panose="02020603050405020304" pitchFamily="18" charset="0"/>
+              </a:rPr>
+              <a:t>Class 1 has low to moderate risk</a:t>
+            </a:r>
+          </a:p>
+          <a:p>
+            <a:r>
+              <a:rPr lang="en-US" dirty="0">
+                <a:latin typeface="Times New Roman" panose="02020603050405020304" pitchFamily="18" charset="0"/>
+                <a:cs typeface="Times New Roman" panose="02020603050405020304" pitchFamily="18" charset="0"/>
+              </a:rPr>
+              <a:t>Class 2 has moderate to high risk </a:t>
+            </a:r>
+          </a:p>
+          <a:p>
+            <a:r>
+              <a:rPr lang="en-US" dirty="0">
+                <a:latin typeface="Times New Roman" panose="02020603050405020304" pitchFamily="18" charset="0"/>
+                <a:cs typeface="Times New Roman" panose="02020603050405020304" pitchFamily="18" charset="0"/>
+              </a:rPr>
+              <a:t>Class 3 has really high risk</a:t>
+            </a:r>
+          </a:p>
+          <a:p>
+            <a:r>
+              <a:rPr lang="en-US" dirty="0">
+                <a:latin typeface="Times New Roman" panose="02020603050405020304" pitchFamily="18" charset="0"/>
+                <a:cs typeface="Times New Roman" panose="02020603050405020304" pitchFamily="18" charset="0"/>
+              </a:rPr>
+              <a:t>Of all the devices in the FDA’s database, the majority were class 2 devices.</a:t>
             </a:r>
           </a:p>
         </p:txBody>
       </p:sp>
       <p:pic>
         <p:nvPicPr>
-          <p:cNvPr id="1028" name="Picture 4">
+          <p:cNvPr id="2050" name="Picture 2">
             <a:extLst>
               <a:ext uri="{FF2B5EF4-FFF2-40B4-BE49-F238E27FC236}">
-                <a16:creationId xmlns:a16="http://schemas.microsoft.com/office/drawing/2014/main" id="{408D4E25-3978-4DB9-9E7F-967278415EAD}"/>
+                <a16:creationId xmlns:a16="http://schemas.microsoft.com/office/drawing/2014/main" id="{C0212B8E-3B6C-4051-829C-31BFAF1321A3}"/>
               </a:ext>
             </a:extLst>
           </p:cNvPr>
@@ -4690,7 +4903,7 @@
             <p:ph sz="half" idx="2"/>
           </p:nvPr>
         </p:nvPicPr>
-        <p:blipFill>
+        <p:blipFill rotWithShape="1">
           <a:blip r:embed="rId2">
             <a:extLst>
               <a:ext uri="{28A0092B-C50C-407E-A947-70E740481C1C}">
@@ -4698,27 +4911,24 @@
               </a:ext>
             </a:extLst>
           </a:blip>
-          <a:stretch>
-            <a:fillRect/>
-          </a:stretch>
+          <a:srcRect l="10006" r="6961" b="-2"/>
+          <a:stretch/>
         </p:blipFill>
         <p:spPr bwMode="auto">
           <a:xfrm>
-            <a:off x="7178589" y="2103120"/>
-            <a:ext cx="3229782" cy="3749040"/>
+            <a:off x="6461760" y="2103120"/>
+            <a:ext cx="4663440" cy="3749040"/>
           </a:xfrm>
           <a:prstGeom prst="rect">
             <a:avLst/>
           </a:prstGeom>
-          <a:solidFill>
-            <a:srgbClr val="FFFFFF"/>
-          </a:solidFill>
+          <a:noFill/>
         </p:spPr>
       </p:pic>
     </p:spTree>
     <p:extLst>
       <p:ext uri="{BB962C8B-B14F-4D97-AF65-F5344CB8AC3E}">
-        <p14:creationId xmlns:p14="http://schemas.microsoft.com/office/powerpoint/2010/main" val="3941604339"/>
+        <p14:creationId xmlns:p14="http://schemas.microsoft.com/office/powerpoint/2010/main" val="1382937724"/>
       </p:ext>
     </p:extLst>
   </p:cSld>
@@ -4747,10 +4957,10 @@
       </p:grpSpPr>
       <p:sp>
         <p:nvSpPr>
-          <p:cNvPr id="16" name="Title 1">
+          <p:cNvPr id="3" name="Title 2">
             <a:extLst>
               <a:ext uri="{FF2B5EF4-FFF2-40B4-BE49-F238E27FC236}">
-                <a16:creationId xmlns:a16="http://schemas.microsoft.com/office/drawing/2014/main" id="{BBC5E879-E726-45D8-868E-1BF599D81FCA}"/>
+                <a16:creationId xmlns:a16="http://schemas.microsoft.com/office/drawing/2014/main" id="{71621606-A859-42FF-934D-3F4BCFC165F8}"/>
               </a:ext>
             </a:extLst>
           </p:cNvPr>
@@ -4768,158 +4978,104 @@
           </a:xfrm>
         </p:spPr>
         <p:txBody>
-          <a:bodyPr/>
+          <a:bodyPr anchor="ctr">
+            <a:normAutofit/>
+          </a:bodyPr>
           <a:lstStyle/>
           <a:p>
             <a:r>
+              <a:rPr lang="en-US"/>
+              <a:t>Adverse Events Related to Medical Devices</a:t>
+            </a:r>
+          </a:p>
+        </p:txBody>
+      </p:sp>
+      <p:sp>
+        <p:nvSpPr>
+          <p:cNvPr id="4" name="Text Placeholder 3">
+            <a:extLst>
+              <a:ext uri="{FF2B5EF4-FFF2-40B4-BE49-F238E27FC236}">
+                <a16:creationId xmlns:a16="http://schemas.microsoft.com/office/drawing/2014/main" id="{4460C1A2-14E4-4039-9F03-EDD5A54A5C4C}"/>
+              </a:ext>
+            </a:extLst>
+          </p:cNvPr>
+          <p:cNvSpPr>
+            <a:spLocks noGrp="1"/>
+          </p:cNvSpPr>
+          <p:nvPr>
+            <p:ph sz="half" idx="1"/>
+          </p:nvPr>
+        </p:nvSpPr>
+        <p:spPr>
+          <a:xfrm>
+            <a:off x="1066800" y="2103120"/>
+            <a:ext cx="4663440" cy="3749040"/>
+          </a:xfrm>
+        </p:spPr>
+        <p:txBody>
+          <a:bodyPr>
+            <a:normAutofit/>
+          </a:bodyPr>
+          <a:lstStyle/>
+          <a:p>
+            <a:r>
               <a:rPr lang="en-US" dirty="0"/>
-              <a:t>Analysis of Adverse Events versus Years</a:t>
+              <a:t>Unfortunately, some devices do not meet the quality standards.</a:t>
+            </a:r>
+          </a:p>
+          <a:p>
+            <a:r>
+              <a:rPr lang="en-US" dirty="0"/>
+              <a:t>When defective devices are used on patient it can lead to an adverse event: Malfunction during a diagnosis, Injury or even death.  </a:t>
             </a:r>
           </a:p>
         </p:txBody>
       </p:sp>
       <p:pic>
         <p:nvPicPr>
-          <p:cNvPr id="6" name="Picture Placeholder 5" descr="Icon&#10;&#10;Description automatically generated">
+          <p:cNvPr id="1028" name="Picture 4">
             <a:extLst>
               <a:ext uri="{FF2B5EF4-FFF2-40B4-BE49-F238E27FC236}">
-                <a16:creationId xmlns:a16="http://schemas.microsoft.com/office/drawing/2014/main" id="{1F6F1B6F-5E87-4C54-B2B6-68DF3BEC015C}"/>
+                <a16:creationId xmlns:a16="http://schemas.microsoft.com/office/drawing/2014/main" id="{408D4E25-3978-4DB9-9E7F-967278415EAD}"/>
               </a:ext>
             </a:extLst>
           </p:cNvPr>
           <p:cNvPicPr>
-            <a:picLocks noGrp="1" noChangeAspect="1"/>
+            <a:picLocks noGrp="1" noChangeAspect="1" noChangeArrowheads="1"/>
           </p:cNvPicPr>
           <p:nvPr>
-            <p:ph sz="half" idx="1"/>
+            <p:ph sz="half" idx="2"/>
           </p:nvPr>
         </p:nvPicPr>
         <p:blipFill>
-          <a:blip r:embed="rId2"/>
+          <a:blip r:embed="rId2">
+            <a:extLst>
+              <a:ext uri="{28A0092B-C50C-407E-A947-70E740481C1C}">
+                <a14:useLocalDpi xmlns:a14="http://schemas.microsoft.com/office/drawing/2010/main" val="0"/>
+              </a:ext>
+            </a:extLst>
+          </a:blip>
           <a:stretch>
             <a:fillRect/>
           </a:stretch>
         </p:blipFill>
-        <p:spPr>
-          <a:xfrm>
-            <a:off x="1066800" y="2266867"/>
-            <a:ext cx="3260942" cy="2392539"/>
-          </a:xfrm>
-          <a:noFill/>
-        </p:spPr>
-      </p:pic>
-      <p:pic>
-        <p:nvPicPr>
-          <p:cNvPr id="8" name="Content Placeholder 7" descr="Icon&#10;&#10;Description automatically generated">
-            <a:extLst>
-              <a:ext uri="{FF2B5EF4-FFF2-40B4-BE49-F238E27FC236}">
-                <a16:creationId xmlns:a16="http://schemas.microsoft.com/office/drawing/2014/main" id="{BCECDE19-6311-4C31-9F4D-458496B73DAC}"/>
-              </a:ext>
-            </a:extLst>
-          </p:cNvPr>
-          <p:cNvPicPr>
-            <a:picLocks noGrp="1" noChangeAspect="1"/>
-          </p:cNvPicPr>
-          <p:nvPr>
-            <p:ph sz="half" idx="2"/>
-          </p:nvPr>
-        </p:nvPicPr>
-        <p:blipFill>
-          <a:blip r:embed="rId3"/>
-          <a:stretch>
-            <a:fillRect/>
-          </a:stretch>
-        </p:blipFill>
-        <p:spPr>
-          <a:xfrm>
-            <a:off x="4663641" y="2232730"/>
-            <a:ext cx="3260942" cy="2392539"/>
-          </a:xfrm>
-        </p:spPr>
-      </p:pic>
-      <p:pic>
-        <p:nvPicPr>
-          <p:cNvPr id="10" name="Picture 9" descr="Icon&#10;&#10;Description automatically generated">
-            <a:extLst>
-              <a:ext uri="{FF2B5EF4-FFF2-40B4-BE49-F238E27FC236}">
-                <a16:creationId xmlns:a16="http://schemas.microsoft.com/office/drawing/2014/main" id="{3598E8E8-F1D0-4C47-B5C6-B245B3BA95ED}"/>
-              </a:ext>
-            </a:extLst>
-          </p:cNvPr>
-          <p:cNvPicPr>
-            <a:picLocks noChangeAspect="1"/>
-          </p:cNvPicPr>
-          <p:nvPr/>
-        </p:nvPicPr>
-        <p:blipFill>
-          <a:blip r:embed="rId4"/>
-          <a:stretch>
-            <a:fillRect/>
-          </a:stretch>
-        </p:blipFill>
-        <p:spPr>
-          <a:xfrm>
-            <a:off x="8031055" y="2232730"/>
-            <a:ext cx="3260943" cy="2392539"/>
+        <p:spPr bwMode="auto">
+          <a:xfrm>
+            <a:off x="7178589" y="2103120"/>
+            <a:ext cx="3229782" cy="3749040"/>
           </a:xfrm>
           <a:prstGeom prst="rect">
             <a:avLst/>
           </a:prstGeom>
+          <a:solidFill>
+            <a:srgbClr val="FFFFFF"/>
+          </a:solidFill>
         </p:spPr>
       </p:pic>
-      <p:sp>
-        <p:nvSpPr>
-          <p:cNvPr id="12" name="TextBox 11">
-            <a:extLst>
-              <a:ext uri="{FF2B5EF4-FFF2-40B4-BE49-F238E27FC236}">
-                <a16:creationId xmlns:a16="http://schemas.microsoft.com/office/drawing/2014/main" id="{12DF0CB5-EAB9-4C33-90CC-1D03D8F83A4C}"/>
-              </a:ext>
-            </a:extLst>
-          </p:cNvPr>
-          <p:cNvSpPr txBox="1"/>
-          <p:nvPr/>
-        </p:nvSpPr>
-        <p:spPr>
-          <a:xfrm>
-            <a:off x="1233598" y="5430982"/>
-            <a:ext cx="10058400" cy="584775"/>
-          </a:xfrm>
-          <a:prstGeom prst="rect">
-            <a:avLst/>
-          </a:prstGeom>
-          <a:noFill/>
-        </p:spPr>
-        <p:txBody>
-          <a:bodyPr wrap="square" rtlCol="0">
-            <a:spAutoFit/>
-          </a:bodyPr>
-          <a:lstStyle/>
-          <a:p>
-            <a:r>
-              <a:rPr lang="en-US" sz="1600" dirty="0">
-                <a:latin typeface="Times New Roman" panose="02020603050405020304" pitchFamily="18" charset="0"/>
-                <a:cs typeface="Times New Roman" panose="02020603050405020304" pitchFamily="18" charset="0"/>
-              </a:rPr>
-              <a:t>For the state of California for example, &gt;80 adverse events were registered in 2015. Five(5) years later, the adverse event number is </a:t>
-            </a:r>
-            <a:r>
-              <a:rPr lang="en-US" sz="1600">
-                <a:latin typeface="Times New Roman" panose="02020603050405020304" pitchFamily="18" charset="0"/>
-                <a:cs typeface="Times New Roman" panose="02020603050405020304" pitchFamily="18" charset="0"/>
-              </a:rPr>
-              <a:t>interestingly around 80.</a:t>
-            </a:r>
-            <a:endParaRPr lang="en-US" sz="1600" dirty="0">
-              <a:latin typeface="Times New Roman" panose="02020603050405020304" pitchFamily="18" charset="0"/>
-              <a:cs typeface="Times New Roman" panose="02020603050405020304" pitchFamily="18" charset="0"/>
-            </a:endParaRPr>
-          </a:p>
-        </p:txBody>
-      </p:sp>
     </p:spTree>
     <p:extLst>
       <p:ext uri="{BB962C8B-B14F-4D97-AF65-F5344CB8AC3E}">
-        <p14:creationId xmlns:p14="http://schemas.microsoft.com/office/powerpoint/2010/main" val="3074519363"/>
+        <p14:creationId xmlns:p14="http://schemas.microsoft.com/office/powerpoint/2010/main" val="3941604339"/>
       </p:ext>
     </p:extLst>
   </p:cSld>
@@ -4948,10 +5104,10 @@
       </p:grpSpPr>
       <p:sp>
         <p:nvSpPr>
-          <p:cNvPr id="18" name="Title 1">
+          <p:cNvPr id="16" name="Title 1">
             <a:extLst>
               <a:ext uri="{FF2B5EF4-FFF2-40B4-BE49-F238E27FC236}">
-                <a16:creationId xmlns:a16="http://schemas.microsoft.com/office/drawing/2014/main" id="{48C603DC-6A33-4380-B2D0-E0C8B99C40CA}"/>
+                <a16:creationId xmlns:a16="http://schemas.microsoft.com/office/drawing/2014/main" id="{BBC5E879-E726-45D8-868E-1BF599D81FCA}"/>
               </a:ext>
             </a:extLst>
           </p:cNvPr>
@@ -4974,56 +5130,17 @@
           <a:p>
             <a:r>
               <a:rPr lang="en-US" dirty="0"/>
-              <a:t>Medical Devices Recalls</a:t>
-            </a:r>
-          </a:p>
-        </p:txBody>
-      </p:sp>
-      <p:sp>
-        <p:nvSpPr>
-          <p:cNvPr id="20" name="Content Placeholder 2">
+              <a:t>Analysis of Adverse Events versus Years</a:t>
+            </a:r>
+          </a:p>
+        </p:txBody>
+      </p:sp>
+      <p:pic>
+        <p:nvPicPr>
+          <p:cNvPr id="6" name="Picture Placeholder 5" descr="Icon&#10;&#10;Description automatically generated">
             <a:extLst>
               <a:ext uri="{FF2B5EF4-FFF2-40B4-BE49-F238E27FC236}">
-                <a16:creationId xmlns:a16="http://schemas.microsoft.com/office/drawing/2014/main" id="{93E1C208-CBAF-4271-978A-B68D7A56CE9A}"/>
-              </a:ext>
-            </a:extLst>
-          </p:cNvPr>
-          <p:cNvSpPr>
-            <a:spLocks noGrp="1"/>
-          </p:cNvSpPr>
-          <p:nvPr>
-            <p:ph sz="half" idx="1"/>
-          </p:nvPr>
-        </p:nvSpPr>
-        <p:spPr>
-          <a:xfrm>
-            <a:off x="1066800" y="2103120"/>
-            <a:ext cx="4663440" cy="3749040"/>
-          </a:xfrm>
-        </p:spPr>
-        <p:txBody>
-          <a:bodyPr/>
-          <a:lstStyle/>
-          <a:p>
-            <a:r>
-              <a:rPr lang="en-US" dirty="0"/>
-              <a:t>When a company registers too many adverse events  with their devices, the FDA can order a recall. This prevents more customers from being harmed.</a:t>
-            </a:r>
-          </a:p>
-          <a:p>
-            <a:r>
-              <a:rPr lang="en-US" dirty="0"/>
-              <a:t>Here are the open recalls per medical specialty in the FDA database.</a:t>
-            </a:r>
-          </a:p>
-        </p:txBody>
-      </p:sp>
-      <p:pic>
-        <p:nvPicPr>
-          <p:cNvPr id="10" name="Content Placeholder 9" descr="Icon&#10;&#10;Description automatically generated">
-            <a:extLst>
-              <a:ext uri="{FF2B5EF4-FFF2-40B4-BE49-F238E27FC236}">
-                <a16:creationId xmlns:a16="http://schemas.microsoft.com/office/drawing/2014/main" id="{81EA3C5B-D2D3-4036-B6F8-9C6D69856B1A}"/>
+                <a16:creationId xmlns:a16="http://schemas.microsoft.com/office/drawing/2014/main" id="{1F6F1B6F-5E87-4C54-B2B6-68DF3BEC015C}"/>
               </a:ext>
             </a:extLst>
           </p:cNvPr>
@@ -5031,7 +5148,7 @@
             <a:picLocks noGrp="1" noChangeAspect="1"/>
           </p:cNvPicPr>
           <p:nvPr>
-            <p:ph sz="half" idx="2"/>
+            <p:ph sz="half" idx="1"/>
           </p:nvPr>
         </p:nvPicPr>
         <p:blipFill>
@@ -5042,15 +5159,124 @@
         </p:blipFill>
         <p:spPr>
           <a:xfrm>
-            <a:off x="7069137" y="2143919"/>
-            <a:ext cx="3448050" cy="3667125"/>
-          </a:xfrm>
+            <a:off x="1066800" y="2266867"/>
+            <a:ext cx="3260942" cy="2392539"/>
+          </a:xfrm>
+          <a:noFill/>
         </p:spPr>
       </p:pic>
+      <p:pic>
+        <p:nvPicPr>
+          <p:cNvPr id="8" name="Content Placeholder 7" descr="Icon&#10;&#10;Description automatically generated">
+            <a:extLst>
+              <a:ext uri="{FF2B5EF4-FFF2-40B4-BE49-F238E27FC236}">
+                <a16:creationId xmlns:a16="http://schemas.microsoft.com/office/drawing/2014/main" id="{BCECDE19-6311-4C31-9F4D-458496B73DAC}"/>
+              </a:ext>
+            </a:extLst>
+          </p:cNvPr>
+          <p:cNvPicPr>
+            <a:picLocks noGrp="1" noChangeAspect="1"/>
+          </p:cNvPicPr>
+          <p:nvPr>
+            <p:ph sz="half" idx="2"/>
+          </p:nvPr>
+        </p:nvPicPr>
+        <p:blipFill>
+          <a:blip r:embed="rId3"/>
+          <a:stretch>
+            <a:fillRect/>
+          </a:stretch>
+        </p:blipFill>
+        <p:spPr>
+          <a:xfrm>
+            <a:off x="4663641" y="2232730"/>
+            <a:ext cx="3260942" cy="2392539"/>
+          </a:xfrm>
+        </p:spPr>
+      </p:pic>
+      <p:pic>
+        <p:nvPicPr>
+          <p:cNvPr id="10" name="Picture 9" descr="Icon&#10;&#10;Description automatically generated">
+            <a:extLst>
+              <a:ext uri="{FF2B5EF4-FFF2-40B4-BE49-F238E27FC236}">
+                <a16:creationId xmlns:a16="http://schemas.microsoft.com/office/drawing/2014/main" id="{3598E8E8-F1D0-4C47-B5C6-B245B3BA95ED}"/>
+              </a:ext>
+            </a:extLst>
+          </p:cNvPr>
+          <p:cNvPicPr>
+            <a:picLocks noChangeAspect="1"/>
+          </p:cNvPicPr>
+          <p:nvPr/>
+        </p:nvPicPr>
+        <p:blipFill>
+          <a:blip r:embed="rId4"/>
+          <a:stretch>
+            <a:fillRect/>
+          </a:stretch>
+        </p:blipFill>
+        <p:spPr>
+          <a:xfrm>
+            <a:off x="8031055" y="2232730"/>
+            <a:ext cx="3260943" cy="2392539"/>
+          </a:xfrm>
+          <a:prstGeom prst="rect">
+            <a:avLst/>
+          </a:prstGeom>
+        </p:spPr>
+      </p:pic>
+      <p:sp>
+        <p:nvSpPr>
+          <p:cNvPr id="12" name="TextBox 11">
+            <a:extLst>
+              <a:ext uri="{FF2B5EF4-FFF2-40B4-BE49-F238E27FC236}">
+                <a16:creationId xmlns:a16="http://schemas.microsoft.com/office/drawing/2014/main" id="{12DF0CB5-EAB9-4C33-90CC-1D03D8F83A4C}"/>
+              </a:ext>
+            </a:extLst>
+          </p:cNvPr>
+          <p:cNvSpPr txBox="1"/>
+          <p:nvPr/>
+        </p:nvSpPr>
+        <p:spPr>
+          <a:xfrm>
+            <a:off x="1233598" y="5430982"/>
+            <a:ext cx="10058400" cy="584775"/>
+          </a:xfrm>
+          <a:prstGeom prst="rect">
+            <a:avLst/>
+          </a:prstGeom>
+          <a:noFill/>
+        </p:spPr>
+        <p:txBody>
+          <a:bodyPr wrap="square" rtlCol="0">
+            <a:spAutoFit/>
+          </a:bodyPr>
+          <a:lstStyle/>
+          <a:p>
+            <a:r>
+              <a:rPr lang="en-US" sz="1600" dirty="0">
+                <a:latin typeface="Times New Roman" panose="02020603050405020304" pitchFamily="18" charset="0"/>
+                <a:cs typeface="Times New Roman" panose="02020603050405020304" pitchFamily="18" charset="0"/>
+              </a:rPr>
+              <a:t>For the state of California for example, &gt;80 adverse events were registered in 2015. Five(5) years later, the adverse event number is </a:t>
+            </a:r>
+            <a:r>
+              <a:rPr lang="en-US" sz="1600">
+                <a:latin typeface="Times New Roman" panose="02020603050405020304" pitchFamily="18" charset="0"/>
+                <a:cs typeface="Times New Roman" panose="02020603050405020304" pitchFamily="18" charset="0"/>
+              </a:rPr>
+              <a:t>interestingly around 80.</a:t>
+            </a:r>
+            <a:endParaRPr lang="en-US" sz="1600" dirty="0">
+              <a:latin typeface="Times New Roman" panose="02020603050405020304" pitchFamily="18" charset="0"/>
+              <a:cs typeface="Times New Roman" panose="02020603050405020304" pitchFamily="18" charset="0"/>
+            </a:endParaRPr>
+          </a:p>
+        </p:txBody>
+      </p:sp>
     </p:spTree>
     <p:extLst>
       <p:ext uri="{BB962C8B-B14F-4D97-AF65-F5344CB8AC3E}">
-        <p14:creationId xmlns:p14="http://schemas.microsoft.com/office/powerpoint/2010/main" val="975933847"/>
+        <p14:creationId xmlns:p14="http://schemas.microsoft.com/office/powerpoint/2010/main" val="3074519363"/>
       </p:ext>
     </p:extLst>
   </p:cSld>
@@ -5079,10 +5305,10 @@
       </p:grpSpPr>
       <p:sp>
         <p:nvSpPr>
-          <p:cNvPr id="2" name="Title 1">
+          <p:cNvPr id="18" name="Title 1">
             <a:extLst>
               <a:ext uri="{FF2B5EF4-FFF2-40B4-BE49-F238E27FC236}">
-                <a16:creationId xmlns:a16="http://schemas.microsoft.com/office/drawing/2014/main" id="{7E4BA615-46C6-4203-979A-910A2E9E569B}"/>
+                <a16:creationId xmlns:a16="http://schemas.microsoft.com/office/drawing/2014/main" id="{48C603DC-6A33-4380-B2D0-E0C8B99C40CA}"/>
               </a:ext>
             </a:extLst>
           </p:cNvPr>
@@ -5093,24 +5319,68 @@
             <p:ph type="title"/>
           </p:nvPr>
         </p:nvSpPr>
-        <p:spPr/>
+        <p:spPr>
+          <a:xfrm>
+            <a:off x="1066800" y="642594"/>
+            <a:ext cx="10058400" cy="1371600"/>
+          </a:xfrm>
+        </p:spPr>
         <p:txBody>
           <a:bodyPr/>
           <a:lstStyle/>
           <a:p>
             <a:r>
               <a:rPr lang="en-US" dirty="0"/>
-              <a:t>Recalls In Radiology</a:t>
+              <a:t>Medical Devices Recalls</a:t>
+            </a:r>
+          </a:p>
+        </p:txBody>
+      </p:sp>
+      <p:sp>
+        <p:nvSpPr>
+          <p:cNvPr id="20" name="Content Placeholder 2">
+            <a:extLst>
+              <a:ext uri="{FF2B5EF4-FFF2-40B4-BE49-F238E27FC236}">
+                <a16:creationId xmlns:a16="http://schemas.microsoft.com/office/drawing/2014/main" id="{93E1C208-CBAF-4271-978A-B68D7A56CE9A}"/>
+              </a:ext>
+            </a:extLst>
+          </p:cNvPr>
+          <p:cNvSpPr>
+            <a:spLocks noGrp="1"/>
+          </p:cNvSpPr>
+          <p:nvPr>
+            <p:ph sz="half" idx="1"/>
+          </p:nvPr>
+        </p:nvSpPr>
+        <p:spPr>
+          <a:xfrm>
+            <a:off x="1066800" y="2103120"/>
+            <a:ext cx="4663440" cy="3749040"/>
+          </a:xfrm>
+        </p:spPr>
+        <p:txBody>
+          <a:bodyPr/>
+          <a:lstStyle/>
+          <a:p>
+            <a:r>
+              <a:rPr lang="en-US" dirty="0"/>
+              <a:t>When a company registers too many adverse events  with their devices, the FDA can order a recall. This prevents more customers from being harmed.</a:t>
+            </a:r>
+          </a:p>
+          <a:p>
+            <a:r>
+              <a:rPr lang="en-US" dirty="0"/>
+              <a:t>Here are the open recalls per medical specialty in the FDA database.</a:t>
             </a:r>
           </a:p>
         </p:txBody>
       </p:sp>
       <p:pic>
         <p:nvPicPr>
-          <p:cNvPr id="6" name="Content Placeholder 5" descr="Text&#10;&#10;Description automatically generated">
+          <p:cNvPr id="10" name="Content Placeholder 9" descr="Icon&#10;&#10;Description automatically generated">
             <a:extLst>
               <a:ext uri="{FF2B5EF4-FFF2-40B4-BE49-F238E27FC236}">
-                <a16:creationId xmlns:a16="http://schemas.microsoft.com/office/drawing/2014/main" id="{FDAE3277-042E-4342-9C62-941B3267625B}"/>
+                <a16:creationId xmlns:a16="http://schemas.microsoft.com/office/drawing/2014/main" id="{81EA3C5B-D2D3-4036-B6F8-9C6D69856B1A}"/>
               </a:ext>
             </a:extLst>
           </p:cNvPr>
@@ -5118,7 +5388,7 @@
             <a:picLocks noGrp="1" noChangeAspect="1"/>
           </p:cNvPicPr>
           <p:nvPr>
-            <p:ph sz="half" idx="1"/>
+            <p:ph sz="half" idx="2"/>
           </p:nvPr>
         </p:nvPicPr>
         <p:blipFill>
@@ -5129,44 +5399,15 @@
         </p:blipFill>
         <p:spPr>
           <a:xfrm>
-            <a:off x="1081233" y="2103438"/>
-            <a:ext cx="4636899" cy="3748087"/>
-          </a:xfrm>
-        </p:spPr>
-      </p:pic>
-      <p:pic>
-        <p:nvPicPr>
-          <p:cNvPr id="8" name="Content Placeholder 7" descr="A picture containing application&#10;&#10;Description automatically generated">
-            <a:extLst>
-              <a:ext uri="{FF2B5EF4-FFF2-40B4-BE49-F238E27FC236}">
-                <a16:creationId xmlns:a16="http://schemas.microsoft.com/office/drawing/2014/main" id="{BD27CFF6-0AED-4A9C-9D3F-E7FC44DD6251}"/>
-              </a:ext>
-            </a:extLst>
-          </p:cNvPr>
-          <p:cNvPicPr>
-            <a:picLocks noGrp="1" noChangeAspect="1"/>
-          </p:cNvPicPr>
-          <p:nvPr>
-            <p:ph sz="half" idx="2"/>
-          </p:nvPr>
-        </p:nvPicPr>
-        <p:blipFill>
-          <a:blip r:embed="rId3"/>
-          <a:stretch>
-            <a:fillRect/>
-          </a:stretch>
-        </p:blipFill>
-        <p:spPr>
-          <a:xfrm>
-            <a:off x="6216868" y="2103439"/>
-            <a:ext cx="5339537" cy="1453954"/>
+            <a:off x="7069137" y="2143919"/>
+            <a:ext cx="3448050" cy="3667125"/>
           </a:xfrm>
         </p:spPr>
       </p:pic>
     </p:spTree>
     <p:extLst>
       <p:ext uri="{BB962C8B-B14F-4D97-AF65-F5344CB8AC3E}">
-        <p14:creationId xmlns:p14="http://schemas.microsoft.com/office/powerpoint/2010/main" val="2865526722"/>
+        <p14:creationId xmlns:p14="http://schemas.microsoft.com/office/powerpoint/2010/main" val="975933847"/>
       </p:ext>
     </p:extLst>
   </p:cSld>
@@ -5195,10 +5436,10 @@
       </p:grpSpPr>
       <p:sp>
         <p:nvSpPr>
-          <p:cNvPr id="16" name="Title 1">
+          <p:cNvPr id="2" name="Title 1">
             <a:extLst>
               <a:ext uri="{FF2B5EF4-FFF2-40B4-BE49-F238E27FC236}">
-                <a16:creationId xmlns:a16="http://schemas.microsoft.com/office/drawing/2014/main" id="{68A21898-DB73-4A25-ABAF-9BA1AC190449}"/>
+                <a16:creationId xmlns:a16="http://schemas.microsoft.com/office/drawing/2014/main" id="{7E4BA615-46C6-4203-979A-910A2E9E569B}"/>
               </a:ext>
             </a:extLst>
           </p:cNvPr>
@@ -5209,6 +5450,157 @@
             <p:ph type="title"/>
           </p:nvPr>
         </p:nvSpPr>
+        <p:spPr/>
+        <p:txBody>
+          <a:bodyPr/>
+          <a:lstStyle/>
+          <a:p>
+            <a:r>
+              <a:rPr lang="en-US" dirty="0"/>
+              <a:t>Medical Device Events In Radiology</a:t>
+            </a:r>
+          </a:p>
+        </p:txBody>
+      </p:sp>
+      <p:pic>
+        <p:nvPicPr>
+          <p:cNvPr id="6" name="Content Placeholder 5" descr="Text&#10;&#10;Description automatically generated">
+            <a:extLst>
+              <a:ext uri="{FF2B5EF4-FFF2-40B4-BE49-F238E27FC236}">
+                <a16:creationId xmlns:a16="http://schemas.microsoft.com/office/drawing/2014/main" id="{FDAE3277-042E-4342-9C62-941B3267625B}"/>
+              </a:ext>
+            </a:extLst>
+          </p:cNvPr>
+          <p:cNvPicPr>
+            <a:picLocks noGrp="1" noChangeAspect="1"/>
+          </p:cNvPicPr>
+          <p:nvPr>
+            <p:ph sz="half" idx="1"/>
+          </p:nvPr>
+        </p:nvPicPr>
+        <p:blipFill>
+          <a:blip r:embed="rId2"/>
+          <a:stretch>
+            <a:fillRect/>
+          </a:stretch>
+        </p:blipFill>
+        <p:spPr>
+          <a:xfrm>
+            <a:off x="1081233" y="2103438"/>
+            <a:ext cx="4636899" cy="3748087"/>
+          </a:xfrm>
+        </p:spPr>
+      </p:pic>
+      <p:pic>
+        <p:nvPicPr>
+          <p:cNvPr id="8" name="Content Placeholder 7" descr="A picture containing application&#10;&#10;Description automatically generated">
+            <a:extLst>
+              <a:ext uri="{FF2B5EF4-FFF2-40B4-BE49-F238E27FC236}">
+                <a16:creationId xmlns:a16="http://schemas.microsoft.com/office/drawing/2014/main" id="{BD27CFF6-0AED-4A9C-9D3F-E7FC44DD6251}"/>
+              </a:ext>
+            </a:extLst>
+          </p:cNvPr>
+          <p:cNvPicPr>
+            <a:picLocks noGrp="1" noChangeAspect="1"/>
+          </p:cNvPicPr>
+          <p:nvPr>
+            <p:ph sz="half" idx="2"/>
+          </p:nvPr>
+        </p:nvPicPr>
+        <p:blipFill>
+          <a:blip r:embed="rId3"/>
+          <a:stretch>
+            <a:fillRect/>
+          </a:stretch>
+        </p:blipFill>
+        <p:spPr>
+          <a:xfrm>
+            <a:off x="6216869" y="2103439"/>
+            <a:ext cx="4822648" cy="1701850"/>
+          </a:xfrm>
+        </p:spPr>
+      </p:pic>
+      <p:sp>
+        <p:nvSpPr>
+          <p:cNvPr id="3" name="TextBox 2">
+            <a:extLst>
+              <a:ext uri="{FF2B5EF4-FFF2-40B4-BE49-F238E27FC236}">
+                <a16:creationId xmlns:a16="http://schemas.microsoft.com/office/drawing/2014/main" id="{7F0D3806-C045-400F-BEC3-7A6F32559578}"/>
+              </a:ext>
+            </a:extLst>
+          </p:cNvPr>
+          <p:cNvSpPr txBox="1"/>
+          <p:nvPr/>
+        </p:nvSpPr>
+        <p:spPr>
+          <a:xfrm>
+            <a:off x="6333688" y="3984771"/>
+            <a:ext cx="5100506" cy="1200329"/>
+          </a:xfrm>
+          <a:prstGeom prst="rect">
+            <a:avLst/>
+          </a:prstGeom>
+          <a:noFill/>
+        </p:spPr>
+        <p:txBody>
+          <a:bodyPr wrap="square" rtlCol="0">
+            <a:spAutoFit/>
+          </a:bodyPr>
+          <a:lstStyle/>
+          <a:p>
+            <a:r>
+              <a:rPr lang="en-US" dirty="0"/>
+              <a:t>Radiology had the highest amount of open recalls.  Narrowing in on which manufacturers and types of equipment had the most issues. </a:t>
+            </a:r>
+          </a:p>
+        </p:txBody>
+      </p:sp>
+    </p:spTree>
+    <p:extLst>
+      <p:ext uri="{BB962C8B-B14F-4D97-AF65-F5344CB8AC3E}">
+        <p14:creationId xmlns:p14="http://schemas.microsoft.com/office/powerpoint/2010/main" val="2865526722"/>
+      </p:ext>
+    </p:extLst>
+  </p:cSld>
+  <p:clrMapOvr>
+    <a:masterClrMapping/>
+  </p:clrMapOvr>
+</p:sld>
+</file>
+
+<file path=ppt/slides/slide9.xml><?xml version="1.0" encoding="utf-8"?>
+<p:sld xmlns:a="http://schemas.openxmlformats.org/drawingml/2006/main" xmlns:r="http://schemas.openxmlformats.org/officeDocument/2006/relationships" xmlns:p="http://schemas.openxmlformats.org/presentationml/2006/main">
+  <p:cSld>
+    <p:spTree>
+      <p:nvGrpSpPr>
+        <p:cNvPr id="1" name=""/>
+        <p:cNvGrpSpPr/>
+        <p:nvPr/>
+      </p:nvGrpSpPr>
+      <p:grpSpPr>
+        <a:xfrm>
+          <a:off x="0" y="0"/>
+          <a:ext cx="0" cy="0"/>
+          <a:chOff x="0" y="0"/>
+          <a:chExt cx="0" cy="0"/>
+        </a:xfrm>
+      </p:grpSpPr>
+      <p:sp>
+        <p:nvSpPr>
+          <p:cNvPr id="11" name="Title 1">
+            <a:extLst>
+              <a:ext uri="{FF2B5EF4-FFF2-40B4-BE49-F238E27FC236}">
+                <a16:creationId xmlns:a16="http://schemas.microsoft.com/office/drawing/2014/main" id="{323032CB-AD7A-40F6-871E-D273E1F5D08B}"/>
+              </a:ext>
+            </a:extLst>
+          </p:cNvPr>
+          <p:cNvSpPr>
+            <a:spLocks noGrp="1"/>
+          </p:cNvSpPr>
+          <p:nvPr>
+            <p:ph type="title"/>
+          </p:nvPr>
+        </p:nvSpPr>
         <p:spPr>
           <a:xfrm>
             <a:off x="1066800" y="642594"/>
@@ -5219,6 +5611,14 @@
           <a:bodyPr/>
           <a:lstStyle/>
           <a:p>
+            <a:r>
+              <a:rPr lang="en-US" dirty="0"/>
+              <a:t>Top manufacturers of devices across </a:t>
+            </a:r>
+            <a:r>
+              <a:rPr lang="en-US"/>
+              <a:t>the world</a:t>
+            </a:r>
             <a:endParaRPr lang="en-US" dirty="0"/>
           </a:p>
         </p:txBody>
@@ -5247,10 +5647,9 @@
         </p:blipFill>
         <p:spPr>
           <a:xfrm>
-            <a:off x="1192021" y="2103120"/>
-            <a:ext cx="9807957" cy="3849624"/>
-          </a:xfrm>
-          <a:noFill/>
+            <a:off x="1409700" y="2194719"/>
+            <a:ext cx="9372600" cy="3667125"/>
+          </a:xfrm>
         </p:spPr>
       </p:pic>
     </p:spTree>
@@ -5543,6 +5942,24 @@
 </file>
 
 <file path=customXml/item1.xml><?xml version="1.0" encoding="utf-8"?>
+<?mso-contentType ?>
+<FormTemplates xmlns="http://schemas.microsoft.com/sharepoint/v3/contenttype/forms">
+  <Display>DocumentLibraryForm</Display>
+  <Edit>DocumentLibraryForm</Edit>
+  <New>DocumentLibraryForm</New>
+</FormTemplates>
+</file>
+
+<file path=customXml/item2.xml><?xml version="1.0" encoding="utf-8"?>
+<p:properties xmlns:p="http://schemas.microsoft.com/office/2006/metadata/properties" xmlns:xsi="http://www.w3.org/2001/XMLSchema-instance" xmlns:pc="http://schemas.microsoft.com/office/infopath/2007/PartnerControls">
+  <documentManagement>
+    <Status xmlns="71af3243-3dd4-4a8d-8c0d-dd76da1f02a5">Not started</Status>
+    <MediaServiceKeyPoints xmlns="71af3243-3dd4-4a8d-8c0d-dd76da1f02a5" xsi:nil="true"/>
+  </documentManagement>
+</p:properties>
+</file>
+
+<file path=customXml/item3.xml><?xml version="1.0" encoding="utf-8"?>
 <ct:contentTypeSchema xmlns:ct="http://schemas.microsoft.com/office/2006/metadata/contentType" xmlns:ma="http://schemas.microsoft.com/office/2006/metadata/properties/metaAttributes" ct:_="" ma:_="" ma:contentTypeName="Document" ma:contentTypeID="0x01010079F111ED35F8CC479449609E8A0923A6" ma:contentTypeVersion="12" ma:contentTypeDescription="Create a new document." ma:contentTypeScope="" ma:versionID="a410dd7f93c95333ffa1b60ed6adedd1">
   <xsd:schema xmlns:xsd="http://www.w3.org/2001/XMLSchema" xmlns:xs="http://www.w3.org/2001/XMLSchema" xmlns:p="http://schemas.microsoft.com/office/2006/metadata/properties" xmlns:ns2="71af3243-3dd4-4a8d-8c0d-dd76da1f02a5" xmlns:ns3="16c05727-aa75-4e4a-9b5f-8a80a1165891" targetNamespace="http://schemas.microsoft.com/office/2006/metadata/properties" ma:root="true" ma:fieldsID="a936d9baba76aa3866493feff160faab" ns2:_="" ns3:_="">
     <xsd:import namespace="71af3243-3dd4-4a8d-8c0d-dd76da1f02a5"/>
@@ -5763,25 +6180,25 @@
 </ct:contentTypeSchema>
 </file>
 
-<file path=customXml/item2.xml><?xml version="1.0" encoding="utf-8"?>
-<p:properties xmlns:p="http://schemas.microsoft.com/office/2006/metadata/properties" xmlns:xsi="http://www.w3.org/2001/XMLSchema-instance" xmlns:pc="http://schemas.microsoft.com/office/infopath/2007/PartnerControls">
-  <documentManagement>
-    <Status xmlns="71af3243-3dd4-4a8d-8c0d-dd76da1f02a5">Not started</Status>
-    <MediaServiceKeyPoints xmlns="71af3243-3dd4-4a8d-8c0d-dd76da1f02a5" xsi:nil="true"/>
-  </documentManagement>
-</p:properties>
+<file path=customXml/itemProps1.xml><?xml version="1.0" encoding="utf-8"?>
+<ds:datastoreItem xmlns:ds="http://schemas.openxmlformats.org/officeDocument/2006/customXml" ds:itemID="{CDB58277-F8DF-46FF-84EC-EF41B835E69F}">
+  <ds:schemaRefs>
+    <ds:schemaRef ds:uri="http://schemas.microsoft.com/sharepoint/v3/contenttype/forms"/>
+  </ds:schemaRefs>
+</ds:datastoreItem>
 </file>
 
-<file path=customXml/item3.xml><?xml version="1.0" encoding="utf-8"?>
-<?mso-contentType ?>
-<FormTemplates xmlns="http://schemas.microsoft.com/sharepoint/v3/contenttype/forms">
-  <Display>DocumentLibraryForm</Display>
-  <Edit>DocumentLibraryForm</Edit>
-  <New>DocumentLibraryForm</New>
-</FormTemplates>
+<file path=customXml/itemProps2.xml><?xml version="1.0" encoding="utf-8"?>
+<ds:datastoreItem xmlns:ds="http://schemas.openxmlformats.org/officeDocument/2006/customXml" ds:itemID="{137651BA-F45C-4845-9AB3-E0A65B39F5E1}">
+  <ds:schemaRefs>
+    <ds:schemaRef ds:uri="http://schemas.microsoft.com/office/2006/metadata/properties"/>
+    <ds:schemaRef ds:uri="http://schemas.microsoft.com/office/infopath/2007/PartnerControls"/>
+    <ds:schemaRef ds:uri="71af3243-3dd4-4a8d-8c0d-dd76da1f02a5"/>
+  </ds:schemaRefs>
+</ds:datastoreItem>
 </file>
 
-<file path=customXml/itemProps1.xml><?xml version="1.0" encoding="utf-8"?>
+<file path=customXml/itemProps3.xml><?xml version="1.0" encoding="utf-8"?>
 <ds:datastoreItem xmlns:ds="http://schemas.openxmlformats.org/officeDocument/2006/customXml" ds:itemID="{2D276E62-80A3-44DD-9BCC-97ED2B99B57F}">
   <ds:schemaRefs>
     <ds:schemaRef ds:uri="http://schemas.microsoft.com/office/2006/metadata/contentType"/>
@@ -5798,22 +6215,4 @@
     <ds:schemaRef ds:uri="http://schemas.microsoft.com/internal/obd"/>
   </ds:schemaRefs>
 </ds:datastoreItem>
-</file>
-
-<file path=customXml/itemProps2.xml><?xml version="1.0" encoding="utf-8"?>
-<ds:datastoreItem xmlns:ds="http://schemas.openxmlformats.org/officeDocument/2006/customXml" ds:itemID="{137651BA-F45C-4845-9AB3-E0A65B39F5E1}">
-  <ds:schemaRefs>
-    <ds:schemaRef ds:uri="http://schemas.microsoft.com/office/2006/metadata/properties"/>
-    <ds:schemaRef ds:uri="http://schemas.microsoft.com/office/infopath/2007/PartnerControls"/>
-    <ds:schemaRef ds:uri="71af3243-3dd4-4a8d-8c0d-dd76da1f02a5"/>
-  </ds:schemaRefs>
-</ds:datastoreItem>
-</file>
-
-<file path=customXml/itemProps3.xml><?xml version="1.0" encoding="utf-8"?>
-<ds:datastoreItem xmlns:ds="http://schemas.openxmlformats.org/officeDocument/2006/customXml" ds:itemID="{CDB58277-F8DF-46FF-84EC-EF41B835E69F}">
-  <ds:schemaRefs>
-    <ds:schemaRef ds:uri="http://schemas.microsoft.com/sharepoint/v3/contenttype/forms"/>
-  </ds:schemaRefs>
-</ds:datastoreItem>
 </file>